--- a/share/走进 TypeScript 让你把前端代码写的更爽！.pptx
+++ b/share/走进 TypeScript 让你把前端代码写的更爽！.pptx
@@ -1914,7 +1914,7 @@
           </a:ln>
           <a:extLst>
             <a:ext uri="{C572A759-6A51-4108-AA02-DFA0A04FC94B}">
-              <ma14:wrappingTextBoxFlag xmlns:ma14="http://schemas.microsoft.com/office/mac/drawingml/2011/main" xmlns:a14="http://schemas.microsoft.com/office/drawing/2010/main" xmlns:m="http://schemas.openxmlformats.org/officeDocument/2006/math" xmlns="" val="1"/>
+              <ma14:wrappingTextBoxFlag xmlns="" xmlns:m="http://schemas.openxmlformats.org/officeDocument/2006/math" xmlns:a14="http://schemas.microsoft.com/office/drawing/2010/main" xmlns:ma14="http://schemas.microsoft.com/office/mac/drawingml/2011/main" val="1"/>
             </a:ext>
           </a:extLst>
         </p:spPr>
@@ -1953,7 +1953,7 @@
           </a:ln>
           <a:extLst>
             <a:ext uri="{C572A759-6A51-4108-AA02-DFA0A04FC94B}">
-              <ma14:wrappingTextBoxFlag xmlns:ma14="http://schemas.microsoft.com/office/mac/drawingml/2011/main" xmlns:a14="http://schemas.microsoft.com/office/drawing/2010/main" xmlns:m="http://schemas.openxmlformats.org/officeDocument/2006/math" xmlns="" val="1"/>
+              <ma14:wrappingTextBoxFlag xmlns="" xmlns:m="http://schemas.openxmlformats.org/officeDocument/2006/math" xmlns:a14="http://schemas.microsoft.com/office/drawing/2010/main" xmlns:ma14="http://schemas.microsoft.com/office/mac/drawingml/2011/main" val="1"/>
             </a:ext>
           </a:extLst>
         </p:spPr>
@@ -3059,7 +3059,7 @@
           </a:effectLst>
           <a:extLst>
             <a:ext uri="{C572A759-6A51-4108-AA02-DFA0A04FC94B}">
-              <ma14:wrappingTextBoxFlag xmlns:ma14="http://schemas.microsoft.com/office/mac/drawingml/2011/main" xmlns:a14="http://schemas.microsoft.com/office/drawing/2010/main" xmlns:m="http://schemas.openxmlformats.org/officeDocument/2006/math" xmlns="" val="1"/>
+              <ma14:wrappingTextBoxFlag xmlns="" xmlns:m="http://schemas.openxmlformats.org/officeDocument/2006/math" xmlns:a14="http://schemas.microsoft.com/office/drawing/2010/main" xmlns:ma14="http://schemas.microsoft.com/office/mac/drawingml/2011/main" val="1"/>
             </a:ext>
           </a:extLst>
         </p:spPr>
@@ -3113,7 +3113,7 @@
           </a:ln>
           <a:extLst>
             <a:ext uri="{C572A759-6A51-4108-AA02-DFA0A04FC94B}">
-              <ma14:wrappingTextBoxFlag xmlns:ma14="http://schemas.microsoft.com/office/mac/drawingml/2011/main" xmlns:a14="http://schemas.microsoft.com/office/drawing/2010/main" xmlns:m="http://schemas.openxmlformats.org/officeDocument/2006/math" xmlns="" val="1"/>
+              <ma14:wrappingTextBoxFlag xmlns="" xmlns:m="http://schemas.openxmlformats.org/officeDocument/2006/math" xmlns:a14="http://schemas.microsoft.com/office/drawing/2010/main" xmlns:ma14="http://schemas.microsoft.com/office/mac/drawingml/2011/main" val="1"/>
             </a:ext>
           </a:extLst>
         </p:spPr>
@@ -3410,7 +3410,7 @@
           </a:ln>
           <a:extLst>
             <a:ext uri="{C572A759-6A51-4108-AA02-DFA0A04FC94B}">
-              <ma14:wrappingTextBoxFlag xmlns:ma14="http://schemas.microsoft.com/office/mac/drawingml/2011/main" xmlns:a14="http://schemas.microsoft.com/office/drawing/2010/main" xmlns:m="http://schemas.openxmlformats.org/officeDocument/2006/math" xmlns="" val="1"/>
+              <ma14:wrappingTextBoxFlag xmlns="" xmlns:m="http://schemas.openxmlformats.org/officeDocument/2006/math" xmlns:a14="http://schemas.microsoft.com/office/drawing/2010/main" xmlns:ma14="http://schemas.microsoft.com/office/mac/drawingml/2011/main" val="1"/>
             </a:ext>
           </a:extLst>
         </p:spPr>
@@ -3458,7 +3458,7 @@
           </a:effectLst>
           <a:extLst>
             <a:ext uri="{C572A759-6A51-4108-AA02-DFA0A04FC94B}">
-              <ma14:wrappingTextBoxFlag xmlns:ma14="http://schemas.microsoft.com/office/mac/drawingml/2011/main" xmlns:a14="http://schemas.microsoft.com/office/drawing/2010/main" xmlns:m="http://schemas.openxmlformats.org/officeDocument/2006/math" xmlns="" val="1"/>
+              <ma14:wrappingTextBoxFlag xmlns="" xmlns:m="http://schemas.openxmlformats.org/officeDocument/2006/math" xmlns:a14="http://schemas.microsoft.com/office/drawing/2010/main" xmlns:ma14="http://schemas.microsoft.com/office/mac/drawingml/2011/main" val="1"/>
             </a:ext>
           </a:extLst>
         </p:spPr>
@@ -3551,18 +3551,18 @@
               <a:buAutoNum type="arabicPeriod"/>
             </a:pPr>
             <a:r>
-              <a:rPr lang="zh-CN" altLang="en-US" dirty="0" smtClean="0"/>
+              <a:rPr lang="zh-CN" altLang="en-US" b="0" dirty="0" smtClean="0"/>
               <a:t>类</a:t>
             </a:r>
             <a:r>
-              <a:rPr lang="zh-CN" altLang="en-US" dirty="0"/>
+              <a:rPr lang="zh-CN" altLang="en-US" b="0" dirty="0"/>
               <a:t>实现</a:t>
             </a:r>
             <a:r>
-              <a:rPr lang="zh-CN" altLang="en-US" dirty="0" smtClean="0"/>
+              <a:rPr lang="zh-CN" altLang="en-US" b="0" dirty="0" smtClean="0"/>
               <a:t>接口</a:t>
             </a:r>
-            <a:endParaRPr lang="en-US" altLang="zh-CN" dirty="0" smtClean="0"/>
+            <a:endParaRPr lang="en-US" altLang="zh-CN" b="0" dirty="0" smtClean="0"/>
           </a:p>
           <a:p>
             <a:pPr marL="914400" indent="-914400">
@@ -3572,19 +3572,19 @@
               <a:buAutoNum type="arabicPeriod" startAt="2"/>
             </a:pPr>
             <a:r>
-              <a:rPr lang="en-US" altLang="zh-CN" dirty="0" smtClean="0"/>
+              <a:rPr lang="en-US" altLang="zh-CN" b="0" dirty="0" smtClean="0"/>
               <a:t>public </a:t>
             </a:r>
             <a:r>
-              <a:rPr lang="en-US" altLang="zh-CN" dirty="0"/>
+              <a:rPr lang="en-US" altLang="zh-CN" b="0" dirty="0"/>
               <a:t>private </a:t>
             </a:r>
             <a:r>
-              <a:rPr lang="zh-CN" altLang="en-US" dirty="0"/>
+              <a:rPr lang="zh-CN" altLang="en-US" b="0" dirty="0"/>
               <a:t>和 </a:t>
             </a:r>
             <a:r>
-              <a:rPr lang="en-US" altLang="zh-CN" dirty="0" smtClean="0"/>
+              <a:rPr lang="en-US" altLang="zh-CN" b="0" dirty="0" smtClean="0"/>
               <a:t>protected</a:t>
             </a:r>
           </a:p>
@@ -3597,14 +3597,14 @@
               <a:buAutoNum type="arabicPeriod" startAt="2"/>
             </a:pPr>
             <a:r>
-              <a:rPr lang="en-US" altLang="zh-CN" dirty="0"/>
+              <a:rPr lang="en-US" altLang="zh-CN" b="0" dirty="0"/>
               <a:t>abstract</a:t>
             </a:r>
             <a:r>
-              <a:rPr lang="zh-CN" altLang="en-US" dirty="0"/>
+              <a:rPr lang="zh-CN" altLang="en-US" b="0" dirty="0"/>
               <a:t> 抽象类</a:t>
             </a:r>
-            <a:endParaRPr lang="en-US" altLang="zh-CN" dirty="0"/>
+            <a:endParaRPr lang="en-US" altLang="zh-CN" b="0" dirty="0"/>
           </a:p>
           <a:p>
             <a:pPr marL="914400" indent="-914400">
@@ -3615,14 +3615,14 @@
               <a:buAutoNum type="arabicPeriod" startAt="2"/>
             </a:pPr>
             <a:r>
-              <a:rPr lang="zh-CN" altLang="en-US" dirty="0"/>
+              <a:rPr lang="zh-CN" altLang="en-US" b="0" dirty="0"/>
               <a:t>混合</a:t>
             </a:r>
             <a:r>
-              <a:rPr lang="zh-CN" altLang="en-US" dirty="0" smtClean="0"/>
+              <a:rPr lang="zh-CN" altLang="en-US" b="0" dirty="0" smtClean="0"/>
               <a:t>类型</a:t>
             </a:r>
-            <a:endParaRPr lang="en-US" altLang="zh-CN" dirty="0"/>
+            <a:endParaRPr lang="en-US" altLang="zh-CN" b="0" dirty="0"/>
           </a:p>
         </p:txBody>
       </p:sp>
@@ -3712,7 +3712,7 @@
           </a:ln>
           <a:extLst>
             <a:ext uri="{C572A759-6A51-4108-AA02-DFA0A04FC94B}">
-              <ma14:wrappingTextBoxFlag xmlns:ma14="http://schemas.microsoft.com/office/mac/drawingml/2011/main" xmlns:a14="http://schemas.microsoft.com/office/drawing/2010/main" xmlns:m="http://schemas.openxmlformats.org/officeDocument/2006/math" xmlns="" val="1"/>
+              <ma14:wrappingTextBoxFlag xmlns="" xmlns:m="http://schemas.openxmlformats.org/officeDocument/2006/math" xmlns:a14="http://schemas.microsoft.com/office/drawing/2010/main" xmlns:ma14="http://schemas.microsoft.com/office/mac/drawingml/2011/main" val="1"/>
             </a:ext>
           </a:extLst>
         </p:spPr>
@@ -3760,7 +3760,7 @@
           </a:effectLst>
           <a:extLst>
             <a:ext uri="{C572A759-6A51-4108-AA02-DFA0A04FC94B}">
-              <ma14:wrappingTextBoxFlag xmlns:ma14="http://schemas.microsoft.com/office/mac/drawingml/2011/main" xmlns:a14="http://schemas.microsoft.com/office/drawing/2010/main" xmlns:m="http://schemas.openxmlformats.org/officeDocument/2006/math" xmlns="" val="1"/>
+              <ma14:wrappingTextBoxFlag xmlns="" xmlns:m="http://schemas.openxmlformats.org/officeDocument/2006/math" xmlns:a14="http://schemas.microsoft.com/office/drawing/2010/main" xmlns:ma14="http://schemas.microsoft.com/office/mac/drawingml/2011/main" val="1"/>
             </a:ext>
           </a:extLst>
         </p:spPr>
@@ -3856,18 +3856,18 @@
               </a:lnSpc>
             </a:pPr>
             <a:r>
-              <a:rPr lang="zh-CN" altLang="en-US" dirty="0"/>
+              <a:rPr lang="zh-CN" altLang="en-US" b="0" dirty="0"/>
               <a:t>泛型（</a:t>
             </a:r>
             <a:r>
-              <a:rPr lang="en-US" altLang="zh-CN" dirty="0"/>
+              <a:rPr lang="en-US" altLang="zh-CN" b="0" dirty="0"/>
               <a:t>Generics</a:t>
             </a:r>
             <a:r>
-              <a:rPr lang="zh-CN" altLang="en-US" dirty="0"/>
+              <a:rPr lang="zh-CN" altLang="en-US" b="0" dirty="0"/>
               <a:t>）是指在定义函数、接口或类的时候，不预先指定具体的类型，而在使用的时候再指定类型的一种特性。</a:t>
             </a:r>
-            <a:endParaRPr kumimoji="0" lang="zh-CN" altLang="en-US" sz="5000" b="1" i="0" u="none" strike="noStrike" cap="none" spc="0" normalizeH="0" baseline="0" dirty="0">
+            <a:endParaRPr kumimoji="0" lang="zh-CN" altLang="en-US" sz="5000" b="0" i="0" u="none" strike="noStrike" cap="none" spc="0" normalizeH="0" baseline="0" dirty="0">
               <a:ln>
                 <a:noFill/>
               </a:ln>
@@ -3876,9 +3876,6 @@
               </a:solidFill>
               <a:effectLst/>
               <a:uFillTx/>
-              <a:latin typeface="+mj-lt"/>
-              <a:ea typeface="+mj-ea"/>
-              <a:cs typeface="+mj-cs"/>
               <a:sym typeface="Helvetica"/>
             </a:endParaRPr>
           </a:p>
@@ -3970,7 +3967,7 @@
           </a:ln>
           <a:extLst>
             <a:ext uri="{C572A759-6A51-4108-AA02-DFA0A04FC94B}">
-              <ma14:wrappingTextBoxFlag xmlns:ma14="http://schemas.microsoft.com/office/mac/drawingml/2011/main" xmlns:a14="http://schemas.microsoft.com/office/drawing/2010/main" xmlns:m="http://schemas.openxmlformats.org/officeDocument/2006/math" xmlns="" val="1"/>
+              <ma14:wrappingTextBoxFlag xmlns="" xmlns:m="http://schemas.openxmlformats.org/officeDocument/2006/math" xmlns:a14="http://schemas.microsoft.com/office/drawing/2010/main" xmlns:ma14="http://schemas.microsoft.com/office/mac/drawingml/2011/main" val="1"/>
             </a:ext>
           </a:extLst>
         </p:spPr>
@@ -4018,7 +4015,7 @@
           </a:effectLst>
           <a:extLst>
             <a:ext uri="{C572A759-6A51-4108-AA02-DFA0A04FC94B}">
-              <ma14:wrappingTextBoxFlag xmlns:ma14="http://schemas.microsoft.com/office/mac/drawingml/2011/main" xmlns:a14="http://schemas.microsoft.com/office/drawing/2010/main" xmlns:m="http://schemas.openxmlformats.org/officeDocument/2006/math" xmlns="" val="1"/>
+              <ma14:wrappingTextBoxFlag xmlns="" xmlns:m="http://schemas.openxmlformats.org/officeDocument/2006/math" xmlns:a14="http://schemas.microsoft.com/office/drawing/2010/main" xmlns:ma14="http://schemas.microsoft.com/office/mac/drawingml/2011/main" val="1"/>
             </a:ext>
           </a:extLst>
         </p:spPr>
@@ -4116,7 +4113,7 @@
               <a:buAutoNum type="arabicPeriod"/>
             </a:pPr>
             <a:r>
-              <a:rPr lang="zh-CN" altLang="en-US" dirty="0"/>
+              <a:rPr lang="zh-CN" altLang="en-US" b="0" dirty="0"/>
               <a:t>函数重载</a:t>
             </a:r>
           </a:p>
@@ -4129,14 +4126,14 @@
               <a:buAutoNum type="arabicPeriod"/>
             </a:pPr>
             <a:r>
-              <a:rPr lang="zh-CN" altLang="en-US" dirty="0"/>
+              <a:rPr lang="zh-CN" altLang="en-US" b="0" dirty="0"/>
               <a:t>接口</a:t>
             </a:r>
             <a:r>
-              <a:rPr lang="zh-CN" altLang="en-US" dirty="0" smtClean="0"/>
+              <a:rPr lang="zh-CN" altLang="en-US" b="0" dirty="0" smtClean="0"/>
               <a:t>重载</a:t>
             </a:r>
-            <a:endParaRPr lang="zh-CN" altLang="en-US" dirty="0"/>
+            <a:endParaRPr lang="zh-CN" altLang="en-US" b="0" dirty="0"/>
           </a:p>
         </p:txBody>
       </p:sp>
@@ -4226,7 +4223,7 @@
           </a:ln>
           <a:extLst>
             <a:ext uri="{C572A759-6A51-4108-AA02-DFA0A04FC94B}">
-              <ma14:wrappingTextBoxFlag xmlns:ma14="http://schemas.microsoft.com/office/mac/drawingml/2011/main" xmlns:a14="http://schemas.microsoft.com/office/drawing/2010/main" xmlns:m="http://schemas.openxmlformats.org/officeDocument/2006/math" xmlns="" val="1"/>
+              <ma14:wrappingTextBoxFlag xmlns="" xmlns:m="http://schemas.openxmlformats.org/officeDocument/2006/math" xmlns:a14="http://schemas.microsoft.com/office/drawing/2010/main" xmlns:ma14="http://schemas.microsoft.com/office/mac/drawingml/2011/main" val="1"/>
             </a:ext>
           </a:extLst>
         </p:spPr>
@@ -4274,7 +4271,7 @@
           </a:effectLst>
           <a:extLst>
             <a:ext uri="{C572A759-6A51-4108-AA02-DFA0A04FC94B}">
-              <ma14:wrappingTextBoxFlag xmlns:ma14="http://schemas.microsoft.com/office/mac/drawingml/2011/main" xmlns:a14="http://schemas.microsoft.com/office/drawing/2010/main" xmlns:m="http://schemas.openxmlformats.org/officeDocument/2006/math" xmlns="" val="1"/>
+              <ma14:wrappingTextBoxFlag xmlns="" xmlns:m="http://schemas.openxmlformats.org/officeDocument/2006/math" xmlns:a14="http://schemas.microsoft.com/office/drawing/2010/main" xmlns:ma14="http://schemas.microsoft.com/office/mac/drawingml/2011/main" val="1"/>
             </a:ext>
           </a:extLst>
         </p:spPr>
@@ -4577,31 +4574,31 @@
           <a:lstStyle/>
           <a:p>
             <a:r>
-              <a:rPr lang="zh-CN" altLang="en-US" dirty="0"/>
+              <a:rPr lang="zh-CN" altLang="en-US" b="0" dirty="0"/>
               <a:t>当我们使用第三方库时</a:t>
             </a:r>
             <a:r>
-              <a:rPr lang="en-US" altLang="zh-CN" dirty="0"/>
+              <a:rPr lang="en-US" altLang="zh-CN" b="0" dirty="0"/>
               <a:t>,</a:t>
             </a:r>
             <a:r>
-              <a:rPr lang="zh-CN" altLang="en-US" dirty="0"/>
+              <a:rPr lang="zh-CN" altLang="en-US" b="0" dirty="0"/>
               <a:t>需要引用它的声明文件</a:t>
             </a:r>
             <a:r>
-              <a:rPr lang="en-US" altLang="zh-CN" dirty="0"/>
+              <a:rPr lang="en-US" altLang="zh-CN" b="0" dirty="0"/>
               <a:t>,</a:t>
             </a:r>
             <a:r>
-              <a:rPr lang="zh-CN" altLang="en-US" dirty="0"/>
+              <a:rPr lang="zh-CN" altLang="en-US" b="0" dirty="0"/>
               <a:t>才能获得对应的代码不全</a:t>
             </a:r>
             <a:r>
-              <a:rPr lang="en-US" altLang="zh-CN" dirty="0"/>
+              <a:rPr lang="en-US" altLang="zh-CN" b="0" dirty="0"/>
               <a:t>,</a:t>
             </a:r>
             <a:r>
-              <a:rPr lang="zh-CN" altLang="en-US" dirty="0"/>
+              <a:rPr lang="zh-CN" altLang="en-US" b="0" dirty="0"/>
               <a:t>接口提示等功能</a:t>
             </a:r>
           </a:p>
@@ -4680,35 +4677,35 @@
           <a:lstStyle/>
           <a:p>
             <a:r>
-              <a:rPr lang="zh-CN" altLang="en-US" dirty="0"/>
+              <a:rPr lang="zh-CN" altLang="en-US" b="0" dirty="0"/>
               <a:t>当我们项目使用</a:t>
             </a:r>
             <a:r>
-              <a:rPr lang="en-US" altLang="zh-CN" dirty="0"/>
+              <a:rPr lang="en-US" altLang="zh-CN" b="0" dirty="0"/>
               <a:t>$('#foo').</a:t>
             </a:r>
             <a:r>
-              <a:rPr lang="en-US" altLang="zh-CN" dirty="0" err="1"/>
+              <a:rPr lang="en-US" altLang="zh-CN" b="0" dirty="0" err="1"/>
               <a:t>ts</a:t>
             </a:r>
             <a:r>
-              <a:rPr lang="zh-CN" altLang="en-US" dirty="0"/>
+              <a:rPr lang="zh-CN" altLang="en-US" b="0" dirty="0"/>
               <a:t>不能识别什么是</a:t>
             </a:r>
             <a:r>
-              <a:rPr lang="en-US" altLang="zh-CN" dirty="0"/>
+              <a:rPr lang="en-US" altLang="zh-CN" b="0" dirty="0"/>
               <a:t>$,</a:t>
             </a:r>
             <a:r>
-              <a:rPr lang="zh-CN" altLang="en-US" dirty="0"/>
+              <a:rPr lang="zh-CN" altLang="en-US" b="0" dirty="0"/>
               <a:t>我们需要一个单独的声明文件</a:t>
             </a:r>
             <a:r>
-              <a:rPr lang="en-US" altLang="zh-CN" dirty="0" err="1"/>
+              <a:rPr lang="en-US" altLang="zh-CN" b="0" dirty="0" err="1"/>
               <a:t>jquery.d.ts</a:t>
             </a:r>
             <a:r>
-              <a:rPr lang="en-US" altLang="zh-CN" dirty="0"/>
+              <a:rPr lang="en-US" altLang="zh-CN" b="0" dirty="0"/>
               <a:t> </a:t>
             </a:r>
           </a:p>
@@ -4736,17 +4733,17 @@
           <a:lstStyle/>
           <a:p>
             <a:r>
-              <a:rPr lang="zh-CN" altLang="en-US" dirty="0"/>
+              <a:rPr lang="zh-CN" altLang="en-US" b="0" dirty="0"/>
               <a:t>我们可以在</a:t>
             </a:r>
             <a:r>
-              <a:rPr lang="zh-CN" altLang="en-US" dirty="0">
+              <a:rPr lang="zh-CN" altLang="en-US" b="0" dirty="0">
                 <a:hlinkClick r:id="rId3"/>
               </a:rPr>
               <a:t>这里</a:t>
             </a:r>
             <a:r>
-              <a:rPr lang="zh-CN" altLang="en-US" dirty="0"/>
+              <a:rPr lang="zh-CN" altLang="en-US" b="0" dirty="0"/>
               <a:t>面搜索能够使用的第三方库</a:t>
             </a:r>
           </a:p>
@@ -4774,17 +4771,17 @@
           <a:lstStyle/>
           <a:p>
             <a:r>
-              <a:rPr lang="zh-CN" altLang="en-US" dirty="0"/>
+              <a:rPr lang="zh-CN" altLang="en-US" b="0" dirty="0"/>
               <a:t>有一些</a:t>
             </a:r>
             <a:r>
-              <a:rPr lang="zh-CN" altLang="en-US" dirty="0">
+              <a:rPr lang="zh-CN" altLang="en-US" b="0" dirty="0">
                 <a:hlinkClick r:id="rId4"/>
               </a:rPr>
               <a:t>工具</a:t>
             </a:r>
             <a:r>
-              <a:rPr lang="zh-CN" altLang="en-US" dirty="0"/>
+              <a:rPr lang="zh-CN" altLang="en-US" b="0" dirty="0"/>
               <a:t>能够帮助我们自动生成声明文件</a:t>
             </a:r>
           </a:p>
@@ -4831,22 +4828,22 @@
           <a:lstStyle/>
           <a:p>
             <a:r>
-              <a:rPr lang="zh-CN" altLang="en-US" dirty="0"/>
+              <a:rPr lang="zh-CN" altLang="en-US" b="0" dirty="0"/>
               <a:t>自己</a:t>
             </a:r>
             <a:r>
-              <a:rPr lang="zh-CN" altLang="en-US" dirty="0">
+              <a:rPr lang="zh-CN" altLang="en-US" b="0" dirty="0">
                 <a:hlinkClick r:id="rId5"/>
               </a:rPr>
               <a:t>编写声明</a:t>
             </a:r>
             <a:r>
-              <a:rPr lang="zh-CN" altLang="en-US" dirty="0" smtClean="0">
+              <a:rPr lang="zh-CN" altLang="en-US" b="0" dirty="0" smtClean="0">
                 <a:hlinkClick r:id="rId5"/>
               </a:rPr>
               <a:t>文件</a:t>
             </a:r>
-            <a:endParaRPr lang="zh-CN" altLang="en-US" dirty="0"/>
+            <a:endParaRPr lang="zh-CN" altLang="en-US" b="0" dirty="0"/>
           </a:p>
         </p:txBody>
       </p:sp>
@@ -5386,7 +5383,7 @@
           </a:ln>
           <a:extLst>
             <a:ext uri="{C572A759-6A51-4108-AA02-DFA0A04FC94B}">
-              <ma14:wrappingTextBoxFlag xmlns:ma14="http://schemas.microsoft.com/office/mac/drawingml/2011/main" xmlns:a14="http://schemas.microsoft.com/office/drawing/2010/main" xmlns:m="http://schemas.openxmlformats.org/officeDocument/2006/math" xmlns="" val="1"/>
+              <ma14:wrappingTextBoxFlag xmlns="" xmlns:m="http://schemas.openxmlformats.org/officeDocument/2006/math" xmlns:a14="http://schemas.microsoft.com/office/drawing/2010/main" xmlns:ma14="http://schemas.microsoft.com/office/mac/drawingml/2011/main" val="1"/>
             </a:ext>
           </a:extLst>
         </p:spPr>
@@ -5434,7 +5431,7 @@
           </a:effectLst>
           <a:extLst>
             <a:ext uri="{C572A759-6A51-4108-AA02-DFA0A04FC94B}">
-              <ma14:wrappingTextBoxFlag xmlns:ma14="http://schemas.microsoft.com/office/mac/drawingml/2011/main" xmlns:a14="http://schemas.microsoft.com/office/drawing/2010/main" xmlns:m="http://schemas.openxmlformats.org/officeDocument/2006/math" xmlns="" val="1"/>
+              <ma14:wrappingTextBoxFlag xmlns="" xmlns:m="http://schemas.openxmlformats.org/officeDocument/2006/math" xmlns:a14="http://schemas.microsoft.com/office/drawing/2010/main" xmlns:ma14="http://schemas.microsoft.com/office/mac/drawingml/2011/main" val="1"/>
             </a:ext>
           </a:extLst>
         </p:spPr>
@@ -5539,18 +5536,18 @@
               <a:buAutoNum type="arabicPeriod"/>
             </a:pPr>
             <a:r>
-              <a:rPr lang="zh-CN" altLang="en-US" dirty="0" smtClean="0"/>
+              <a:rPr lang="zh-CN" altLang="en-US" b="0" dirty="0" smtClean="0"/>
               <a:t>给</a:t>
             </a:r>
             <a:r>
-              <a:rPr lang="zh-CN" altLang="en-US" dirty="0"/>
+              <a:rPr lang="zh-CN" altLang="en-US" b="0" dirty="0"/>
               <a:t>类型起一个新</a:t>
             </a:r>
             <a:r>
-              <a:rPr lang="zh-CN" altLang="en-US" dirty="0" smtClean="0"/>
+              <a:rPr lang="zh-CN" altLang="en-US" b="0" dirty="0" smtClean="0"/>
               <a:t>名字</a:t>
             </a:r>
-            <a:endParaRPr lang="en-US" altLang="zh-CN" dirty="0" smtClean="0"/>
+            <a:endParaRPr lang="en-US" altLang="zh-CN" b="0" dirty="0" smtClean="0"/>
           </a:p>
           <a:p>
             <a:pPr marL="914400" indent="-914400">
@@ -5561,14 +5558,14 @@
               <a:buAutoNum type="arabicPeriod"/>
             </a:pPr>
             <a:r>
-              <a:rPr lang="zh-CN" altLang="en-US" dirty="0"/>
+              <a:rPr lang="zh-CN" altLang="en-US" b="0" dirty="0"/>
               <a:t>使用字符串自定义</a:t>
             </a:r>
             <a:r>
-              <a:rPr lang="zh-CN" altLang="en-US" dirty="0" smtClean="0"/>
+              <a:rPr lang="zh-CN" altLang="en-US" b="0" dirty="0" smtClean="0"/>
               <a:t>类型</a:t>
             </a:r>
-            <a:endParaRPr lang="en-US" altLang="zh-CN" dirty="0"/>
+            <a:endParaRPr lang="en-US" altLang="zh-CN" b="0" dirty="0"/>
           </a:p>
         </p:txBody>
       </p:sp>
@@ -5658,7 +5655,7 @@
           </a:ln>
           <a:extLst>
             <a:ext uri="{C572A759-6A51-4108-AA02-DFA0A04FC94B}">
-              <ma14:wrappingTextBoxFlag xmlns:ma14="http://schemas.microsoft.com/office/mac/drawingml/2011/main" xmlns:a14="http://schemas.microsoft.com/office/drawing/2010/main" xmlns:m="http://schemas.openxmlformats.org/officeDocument/2006/math" xmlns="" val="1"/>
+              <ma14:wrappingTextBoxFlag xmlns="" xmlns:m="http://schemas.openxmlformats.org/officeDocument/2006/math" xmlns:a14="http://schemas.microsoft.com/office/drawing/2010/main" xmlns:ma14="http://schemas.microsoft.com/office/mac/drawingml/2011/main" val="1"/>
             </a:ext>
           </a:extLst>
         </p:spPr>
@@ -5702,7 +5699,7 @@
           </a:effectLst>
           <a:extLst>
             <a:ext uri="{C572A759-6A51-4108-AA02-DFA0A04FC94B}">
-              <ma14:wrappingTextBoxFlag xmlns:ma14="http://schemas.microsoft.com/office/mac/drawingml/2011/main" xmlns:a14="http://schemas.microsoft.com/office/drawing/2010/main" xmlns:m="http://schemas.openxmlformats.org/officeDocument/2006/math" xmlns="" val="1"/>
+              <ma14:wrappingTextBoxFlag xmlns="" xmlns:m="http://schemas.openxmlformats.org/officeDocument/2006/math" xmlns:a14="http://schemas.microsoft.com/office/drawing/2010/main" xmlns:ma14="http://schemas.microsoft.com/office/mac/drawingml/2011/main" val="1"/>
             </a:ext>
           </a:extLst>
         </p:spPr>
@@ -5786,240 +5783,240 @@
               </a:lnSpc>
             </a:pPr>
             <a:r>
-              <a:rPr lang="zh-CN" altLang="en-US" dirty="0"/>
+              <a:rPr lang="zh-CN" altLang="en-US" b="0" dirty="0"/>
               <a:t>不带任何输入文件调用</a:t>
             </a:r>
             <a:r>
-              <a:rPr lang="en-US" altLang="zh-CN" dirty="0" err="1"/>
+              <a:rPr lang="en-US" altLang="zh-CN" b="0" dirty="0" err="1"/>
               <a:t>tsc</a:t>
             </a:r>
             <a:r>
-              <a:rPr lang="en-US" altLang="zh-CN" dirty="0"/>
+              <a:rPr lang="en-US" altLang="zh-CN" b="0" dirty="0"/>
               <a:t> </a:t>
             </a:r>
             <a:r>
-              <a:rPr lang="zh-CN" altLang="en-US" dirty="0"/>
+              <a:rPr lang="zh-CN" altLang="en-US" b="0" dirty="0"/>
               <a:t>会先查找</a:t>
             </a:r>
             <a:r>
-              <a:rPr lang="en-US" altLang="zh-CN" dirty="0" err="1"/>
+              <a:rPr lang="en-US" altLang="zh-CN" b="0" dirty="0" err="1"/>
               <a:t>tsconfig.json</a:t>
             </a:r>
             <a:r>
-              <a:rPr lang="zh-CN" altLang="en-US" dirty="0"/>
+              <a:rPr lang="zh-CN" altLang="en-US" b="0" dirty="0"/>
               <a:t>文件，逐级向上搜索</a:t>
             </a:r>
             <a:r>
-              <a:rPr lang="zh-CN" altLang="en-US" dirty="0" smtClean="0"/>
+              <a:rPr lang="zh-CN" altLang="en-US" b="0" dirty="0" smtClean="0"/>
               <a:t>父目录</a:t>
             </a:r>
-            <a:endParaRPr lang="en-US" altLang="zh-CN" dirty="0" smtClean="0"/>
-          </a:p>
-          <a:p>
-            <a:r>
-              <a:rPr lang="zh-CN" altLang="en-US" dirty="0"/>
+            <a:endParaRPr lang="en-US" altLang="zh-CN" b="0" dirty="0" smtClean="0"/>
+          </a:p>
+          <a:p>
+            <a:r>
+              <a:rPr lang="zh-CN" altLang="en-US" b="0" dirty="0"/>
               <a:t>带</a:t>
             </a:r>
             <a:r>
-              <a:rPr lang="en-US" altLang="zh-CN" dirty="0"/>
+              <a:rPr lang="en-US" altLang="zh-CN" b="0" dirty="0"/>
               <a:t>--project</a:t>
             </a:r>
             <a:r>
-              <a:rPr lang="zh-CN" altLang="en-US" dirty="0"/>
+              <a:rPr lang="zh-CN" altLang="en-US" b="0" dirty="0"/>
               <a:t>（或</a:t>
             </a:r>
             <a:r>
-              <a:rPr lang="en-US" altLang="zh-CN" dirty="0"/>
+              <a:rPr lang="en-US" altLang="zh-CN" b="0" dirty="0"/>
               <a:t>-p</a:t>
             </a:r>
             <a:r>
-              <a:rPr lang="zh-CN" altLang="en-US" dirty="0"/>
+              <a:rPr lang="zh-CN" altLang="en-US" b="0" dirty="0"/>
               <a:t>）指定一个包含</a:t>
             </a:r>
             <a:r>
-              <a:rPr lang="en-US" altLang="zh-CN" dirty="0" err="1"/>
+              <a:rPr lang="en-US" altLang="zh-CN" b="0" dirty="0" err="1"/>
               <a:t>tsconfig.json</a:t>
             </a:r>
             <a:r>
-              <a:rPr lang="zh-CN" altLang="en-US" dirty="0"/>
+              <a:rPr lang="zh-CN" altLang="en-US" b="0" dirty="0"/>
               <a:t>的目录</a:t>
             </a:r>
           </a:p>
           <a:p>
             <a:r>
-              <a:rPr lang="zh-CN" altLang="en-US" dirty="0"/>
+              <a:rPr lang="zh-CN" altLang="en-US" b="0" dirty="0"/>
               <a:t>配置</a:t>
             </a:r>
           </a:p>
           <a:p>
             <a:r>
-              <a:rPr lang="en-US" altLang="zh-CN" dirty="0" smtClean="0"/>
+              <a:rPr lang="en-US" altLang="zh-CN" b="0" dirty="0" smtClean="0"/>
               <a:t>	</a:t>
             </a:r>
             <a:r>
-              <a:rPr lang="en-US" altLang="zh-CN" sz="3600" dirty="0" err="1"/>
+              <a:rPr lang="en-US" altLang="zh-CN" sz="3600" b="0" dirty="0" err="1"/>
               <a:t>compilerOptions</a:t>
             </a:r>
             <a:r>
-              <a:rPr lang="en-US" altLang="zh-CN" sz="3600" dirty="0"/>
+              <a:rPr lang="en-US" altLang="zh-CN" sz="3600" b="0" dirty="0"/>
               <a:t> </a:t>
             </a:r>
             <a:r>
-              <a:rPr lang="zh-CN" altLang="en-US" sz="3600" dirty="0"/>
+              <a:rPr lang="zh-CN" altLang="en-US" sz="3600" b="0" dirty="0"/>
               <a:t>编译器选项，可以被忽略有默认值</a:t>
             </a:r>
           </a:p>
           <a:p>
             <a:r>
-              <a:rPr lang="en-US" altLang="zh-CN" sz="3600" dirty="0"/>
+              <a:rPr lang="en-US" altLang="zh-CN" sz="3600" b="0" dirty="0"/>
               <a:t>	</a:t>
             </a:r>
             <a:r>
-              <a:rPr lang="en-US" altLang="zh-CN" sz="3600" dirty="0" smtClean="0"/>
+              <a:rPr lang="en-US" altLang="zh-CN" sz="3600" b="0" dirty="0" smtClean="0"/>
               <a:t>	</a:t>
             </a:r>
             <a:r>
-              <a:rPr lang="zh-CN" altLang="en-US" sz="3600" dirty="0"/>
+              <a:rPr lang="zh-CN" altLang="en-US" sz="3600" b="0" dirty="0"/>
               <a:t>基本设置</a:t>
             </a:r>
           </a:p>
           <a:p>
             <a:r>
-              <a:rPr lang="en-US" altLang="zh-CN" sz="3600" dirty="0"/>
+              <a:rPr lang="en-US" altLang="zh-CN" sz="3600" b="0" dirty="0"/>
               <a:t>		</a:t>
             </a:r>
             <a:r>
-              <a:rPr lang="zh-CN" altLang="en-US" sz="3600" dirty="0"/>
+              <a:rPr lang="zh-CN" altLang="en-US" sz="3600" b="0" dirty="0"/>
               <a:t>检验配置选项</a:t>
             </a:r>
           </a:p>
           <a:p>
             <a:r>
-              <a:rPr lang="en-US" altLang="zh-CN" sz="3600" dirty="0"/>
+              <a:rPr lang="en-US" altLang="zh-CN" sz="3600" b="0" dirty="0"/>
               <a:t>		</a:t>
             </a:r>
             <a:r>
-              <a:rPr lang="zh-CN" altLang="en-US" sz="3600" dirty="0"/>
+              <a:rPr lang="zh-CN" altLang="en-US" sz="3600" b="0" dirty="0"/>
               <a:t>附加检查</a:t>
             </a:r>
           </a:p>
           <a:p>
             <a:r>
-              <a:rPr lang="en-US" altLang="zh-CN" sz="3600" dirty="0"/>
+              <a:rPr lang="en-US" altLang="zh-CN" sz="3600" b="0" dirty="0"/>
               <a:t>		</a:t>
             </a:r>
             <a:r>
-              <a:rPr lang="zh-CN" altLang="en-US" sz="3600" dirty="0"/>
+              <a:rPr lang="zh-CN" altLang="en-US" sz="3600" b="0" dirty="0"/>
               <a:t>模块检查</a:t>
             </a:r>
           </a:p>
           <a:p>
             <a:r>
-              <a:rPr lang="en-US" altLang="zh-CN" sz="3600" dirty="0"/>
+              <a:rPr lang="en-US" altLang="zh-CN" sz="3600" b="0" dirty="0"/>
               <a:t>		</a:t>
             </a:r>
             <a:r>
-              <a:rPr lang="en-US" altLang="zh-CN" sz="3600" dirty="0" err="1"/>
+              <a:rPr lang="en-US" altLang="zh-CN" sz="3600" b="0" dirty="0" err="1"/>
               <a:t>SourceMap</a:t>
             </a:r>
             <a:r>
-              <a:rPr lang="zh-CN" altLang="en-US" sz="3600" dirty="0"/>
+              <a:rPr lang="zh-CN" altLang="en-US" sz="3600" b="0" dirty="0"/>
               <a:t>生成</a:t>
             </a:r>
           </a:p>
           <a:p>
             <a:r>
-              <a:rPr lang="en-US" altLang="zh-CN" sz="3600" dirty="0"/>
+              <a:rPr lang="en-US" altLang="zh-CN" sz="3600" b="0" dirty="0"/>
               <a:t>		</a:t>
             </a:r>
             <a:r>
-              <a:rPr lang="zh-CN" altLang="en-US" sz="3600" dirty="0"/>
+              <a:rPr lang="zh-CN" altLang="en-US" sz="3600" b="0" dirty="0"/>
               <a:t>实验性配型</a:t>
             </a:r>
-            <a:endParaRPr lang="en-US" altLang="zh-CN" sz="3600" dirty="0"/>
-          </a:p>
-          <a:p>
-            <a:r>
-              <a:rPr lang="en-US" altLang="zh-CN" sz="3600" dirty="0"/>
+            <a:endParaRPr lang="en-US" altLang="zh-CN" sz="3600" b="0" dirty="0"/>
+          </a:p>
+          <a:p>
+            <a:r>
+              <a:rPr lang="en-US" altLang="zh-CN" sz="3600" b="0" dirty="0"/>
               <a:t>		</a:t>
             </a:r>
             <a:r>
-              <a:rPr lang="zh-CN" altLang="en-US" sz="3600" dirty="0"/>
+              <a:rPr lang="zh-CN" altLang="en-US" sz="3600" b="0" dirty="0"/>
               <a:t>其他</a:t>
             </a:r>
           </a:p>
           <a:p>
             <a:r>
-              <a:rPr lang="en-US" altLang="zh-CN" sz="3600" dirty="0" smtClean="0"/>
+              <a:rPr lang="en-US" altLang="zh-CN" sz="3600" b="0" dirty="0" smtClean="0"/>
               <a:t>	</a:t>
             </a:r>
             <a:r>
-              <a:rPr lang="en-US" altLang="zh-CN" sz="3600" dirty="0"/>
+              <a:rPr lang="en-US" altLang="zh-CN" sz="3600" b="0" dirty="0"/>
               <a:t>files</a:t>
             </a:r>
             <a:r>
-              <a:rPr lang="zh-CN" altLang="en-US" sz="3600" dirty="0"/>
+              <a:rPr lang="zh-CN" altLang="en-US" sz="3600" b="0" dirty="0"/>
               <a:t>和</a:t>
             </a:r>
             <a:r>
-              <a:rPr lang="en-US" altLang="zh-CN" sz="3600" dirty="0"/>
+              <a:rPr lang="en-US" altLang="zh-CN" sz="3600" b="0" dirty="0"/>
               <a:t>include</a:t>
             </a:r>
             <a:r>
-              <a:rPr lang="zh-CN" altLang="en-US" sz="3600" dirty="0"/>
+              <a:rPr lang="zh-CN" altLang="en-US" sz="3600" b="0" dirty="0"/>
               <a:t>是指定编译的目录和文件</a:t>
             </a:r>
           </a:p>
           <a:p>
             <a:r>
-              <a:rPr lang="en-US" altLang="zh-CN" sz="3600" dirty="0"/>
+              <a:rPr lang="en-US" altLang="zh-CN" sz="3600" b="0" dirty="0"/>
               <a:t>	exclude</a:t>
             </a:r>
             <a:r>
-              <a:rPr lang="zh-CN" altLang="en-US" sz="3600" dirty="0"/>
+              <a:rPr lang="zh-CN" altLang="en-US" sz="3600" b="0" dirty="0"/>
               <a:t>排除指定文件</a:t>
             </a:r>
           </a:p>
           <a:p>
             <a:r>
-              <a:rPr lang="en-US" altLang="zh-CN" sz="3600" dirty="0"/>
+              <a:rPr lang="en-US" altLang="zh-CN" sz="3600" b="0" dirty="0"/>
               <a:t>	extends</a:t>
             </a:r>
             <a:r>
-              <a:rPr lang="zh-CN" altLang="en-US" sz="3600" dirty="0"/>
+              <a:rPr lang="zh-CN" altLang="en-US" sz="3600" b="0" dirty="0"/>
               <a:t>继承的配置</a:t>
             </a:r>
           </a:p>
           <a:p>
             <a:r>
-              <a:rPr lang="en-US" altLang="zh-CN" sz="3600" dirty="0"/>
+              <a:rPr lang="en-US" altLang="zh-CN" sz="3600" b="0" dirty="0"/>
               <a:t>	</a:t>
             </a:r>
             <a:r>
-              <a:rPr lang="en-US" altLang="zh-CN" sz="3600" dirty="0" err="1"/>
+              <a:rPr lang="en-US" altLang="zh-CN" sz="3600" b="0" dirty="0" err="1"/>
               <a:t>compileOnSave</a:t>
             </a:r>
             <a:r>
-              <a:rPr lang="en-US" altLang="zh-CN" sz="3600" dirty="0"/>
+              <a:rPr lang="en-US" altLang="zh-CN" sz="3600" b="0" dirty="0"/>
               <a:t> IDE</a:t>
             </a:r>
             <a:r>
-              <a:rPr lang="zh-CN" altLang="en-US" sz="3600" dirty="0"/>
+              <a:rPr lang="zh-CN" altLang="en-US" sz="3600" b="0" dirty="0"/>
               <a:t>保存文件时根据</a:t>
             </a:r>
             <a:r>
-              <a:rPr lang="en-US" altLang="zh-CN" sz="3600" dirty="0" err="1"/>
+              <a:rPr lang="en-US" altLang="zh-CN" sz="3600" b="0" dirty="0" err="1"/>
               <a:t>tsconfig.json</a:t>
             </a:r>
             <a:r>
-              <a:rPr lang="zh-CN" altLang="en-US" sz="3600" dirty="0"/>
+              <a:rPr lang="zh-CN" altLang="en-US" sz="3600" b="0" dirty="0"/>
               <a:t>重新生成</a:t>
             </a:r>
             <a:r>
-              <a:rPr lang="zh-CN" altLang="en-US" sz="3600" dirty="0" smtClean="0"/>
+              <a:rPr lang="zh-CN" altLang="en-US" sz="3600" b="0" dirty="0" smtClean="0"/>
               <a:t>文件</a:t>
             </a:r>
-            <a:endParaRPr lang="zh-CN" altLang="en-US" sz="3600" dirty="0"/>
+            <a:endParaRPr lang="zh-CN" altLang="en-US" sz="3600" b="0" dirty="0"/>
           </a:p>
         </p:txBody>
       </p:sp>
@@ -6109,7 +6106,7 @@
           </a:ln>
           <a:extLst>
             <a:ext uri="{C572A759-6A51-4108-AA02-DFA0A04FC94B}">
-              <ma14:wrappingTextBoxFlag xmlns:ma14="http://schemas.microsoft.com/office/mac/drawingml/2011/main" xmlns:a14="http://schemas.microsoft.com/office/drawing/2010/main" xmlns:m="http://schemas.openxmlformats.org/officeDocument/2006/math" xmlns="" val="1"/>
+              <ma14:wrappingTextBoxFlag xmlns="" xmlns:m="http://schemas.openxmlformats.org/officeDocument/2006/math" xmlns:a14="http://schemas.microsoft.com/office/drawing/2010/main" xmlns:ma14="http://schemas.microsoft.com/office/mac/drawingml/2011/main" val="1"/>
             </a:ext>
           </a:extLst>
         </p:spPr>
@@ -6153,7 +6150,7 @@
           </a:effectLst>
           <a:extLst>
             <a:ext uri="{C572A759-6A51-4108-AA02-DFA0A04FC94B}">
-              <ma14:wrappingTextBoxFlag xmlns:ma14="http://schemas.microsoft.com/office/mac/drawingml/2011/main" xmlns:a14="http://schemas.microsoft.com/office/drawing/2010/main" xmlns:m="http://schemas.openxmlformats.org/officeDocument/2006/math" xmlns="" val="1"/>
+              <ma14:wrappingTextBoxFlag xmlns="" xmlns:m="http://schemas.openxmlformats.org/officeDocument/2006/math" xmlns:a14="http://schemas.microsoft.com/office/drawing/2010/main" xmlns:ma14="http://schemas.microsoft.com/office/mac/drawingml/2011/main" val="1"/>
             </a:ext>
           </a:extLst>
         </p:spPr>
@@ -6216,133 +6213,133 @@
           <a:lstStyle/>
           <a:p>
             <a:r>
-              <a:rPr lang="zh-CN" altLang="en-US" dirty="0"/>
+              <a:rPr lang="zh-CN" altLang="en-US" b="0" dirty="0"/>
               <a:t>配置</a:t>
             </a:r>
             <a:r>
-              <a:rPr lang="en-US" altLang="zh-CN" dirty="0" err="1"/>
+              <a:rPr lang="en-US" altLang="zh-CN" b="0" dirty="0" err="1"/>
               <a:t>webpack</a:t>
             </a:r>
-            <a:endParaRPr lang="en-US" altLang="zh-CN" dirty="0"/>
-          </a:p>
-          <a:p>
-            <a:r>
-              <a:rPr lang="en-US" altLang="zh-CN" dirty="0"/>
+            <a:endParaRPr lang="en-US" altLang="zh-CN" b="0" dirty="0"/>
+          </a:p>
+          <a:p>
+            <a:r>
+              <a:rPr lang="en-US" altLang="zh-CN" b="0" dirty="0"/>
               <a:t>	</a:t>
             </a:r>
             <a:r>
-              <a:rPr lang="zh-CN" altLang="en-US" sz="3600" dirty="0"/>
+              <a:rPr lang="zh-CN" altLang="en-US" sz="3600" b="0" dirty="0"/>
               <a:t>入口变成</a:t>
             </a:r>
             <a:r>
-              <a:rPr lang="en-US" altLang="zh-CN" sz="3600" dirty="0"/>
+              <a:rPr lang="en-US" altLang="zh-CN" sz="3600" b="0" dirty="0"/>
               <a:t>.</a:t>
             </a:r>
             <a:r>
-              <a:rPr lang="en-US" altLang="zh-CN" sz="3600" dirty="0" err="1"/>
+              <a:rPr lang="en-US" altLang="zh-CN" sz="3600" b="0" dirty="0" err="1"/>
               <a:t>ts</a:t>
             </a:r>
             <a:r>
-              <a:rPr lang="zh-CN" altLang="en-US" sz="3600" dirty="0"/>
+              <a:rPr lang="zh-CN" altLang="en-US" sz="3600" b="0" dirty="0"/>
               <a:t>后缀</a:t>
             </a:r>
-            <a:endParaRPr lang="en-US" altLang="zh-CN" sz="3600" dirty="0"/>
-          </a:p>
-          <a:p>
-            <a:r>
-              <a:rPr lang="en-US" altLang="zh-CN" sz="3600" dirty="0"/>
+            <a:endParaRPr lang="en-US" altLang="zh-CN" sz="3600" b="0" dirty="0"/>
+          </a:p>
+          <a:p>
+            <a:r>
+              <a:rPr lang="en-US" altLang="zh-CN" sz="3600" b="0" dirty="0"/>
               <a:t>	</a:t>
             </a:r>
             <a:r>
-              <a:rPr lang="zh-CN" altLang="en-US" sz="3600" dirty="0"/>
+              <a:rPr lang="zh-CN" altLang="en-US" sz="3600" b="0" dirty="0"/>
               <a:t>加入</a:t>
             </a:r>
             <a:r>
-              <a:rPr lang="en-US" altLang="zh-CN" sz="3600" dirty="0" err="1"/>
+              <a:rPr lang="en-US" altLang="zh-CN" sz="3600" b="0" dirty="0" err="1"/>
               <a:t>ts</a:t>
             </a:r>
             <a:r>
-              <a:rPr lang="en-US" altLang="zh-CN" sz="3600" dirty="0"/>
+              <a:rPr lang="en-US" altLang="zh-CN" sz="3600" b="0" dirty="0"/>
               <a:t>-loader</a:t>
             </a:r>
             <a:r>
-              <a:rPr lang="zh-CN" altLang="en-US" sz="3600" dirty="0"/>
+              <a:rPr lang="zh-CN" altLang="en-US" sz="3600" b="0" dirty="0"/>
               <a:t>解析</a:t>
             </a:r>
             <a:r>
-              <a:rPr lang="en-US" altLang="zh-CN" sz="3600" dirty="0" err="1"/>
+              <a:rPr lang="en-US" altLang="zh-CN" sz="3600" b="0" dirty="0" err="1"/>
               <a:t>ts</a:t>
             </a:r>
             <a:r>
-              <a:rPr lang="zh-CN" altLang="en-US" sz="3600" dirty="0"/>
+              <a:rPr lang="zh-CN" altLang="en-US" sz="3600" b="0" dirty="0"/>
               <a:t>文件</a:t>
             </a:r>
-            <a:endParaRPr lang="en-US" altLang="zh-CN" sz="3600" dirty="0"/>
-          </a:p>
-          <a:p>
-            <a:r>
-              <a:rPr lang="en-US" altLang="zh-CN" sz="3600" dirty="0"/>
+            <a:endParaRPr lang="en-US" altLang="zh-CN" sz="3600" b="0" dirty="0"/>
+          </a:p>
+          <a:p>
+            <a:r>
+              <a:rPr lang="en-US" altLang="zh-CN" sz="3600" b="0" dirty="0"/>
               <a:t>	</a:t>
             </a:r>
             <a:r>
-              <a:rPr lang="zh-CN" altLang="en-US" sz="3600" dirty="0"/>
+              <a:rPr lang="zh-CN" altLang="en-US" sz="3600" b="0" dirty="0"/>
               <a:t>修改</a:t>
             </a:r>
             <a:r>
-              <a:rPr lang="en-US" altLang="zh-CN" sz="3600" dirty="0" err="1"/>
+              <a:rPr lang="en-US" altLang="zh-CN" sz="3600" b="0" dirty="0" err="1"/>
               <a:t>resolve.extensions</a:t>
             </a:r>
             <a:r>
-              <a:rPr lang="zh-CN" altLang="en-US" sz="3600" dirty="0"/>
+              <a:rPr lang="zh-CN" altLang="en-US" sz="3600" b="0" dirty="0"/>
               <a:t>加入</a:t>
             </a:r>
             <a:r>
-              <a:rPr lang="en-US" altLang="zh-CN" sz="3600" dirty="0"/>
+              <a:rPr lang="en-US" altLang="zh-CN" sz="3600" b="0" dirty="0"/>
               <a:t>.</a:t>
             </a:r>
             <a:r>
-              <a:rPr lang="en-US" altLang="zh-CN" sz="3600" dirty="0" err="1"/>
+              <a:rPr lang="en-US" altLang="zh-CN" sz="3600" b="0" dirty="0" err="1"/>
               <a:t>ts</a:t>
             </a:r>
             <a:r>
-              <a:rPr lang="zh-CN" altLang="en-US" sz="3600" dirty="0" smtClean="0"/>
+              <a:rPr lang="zh-CN" altLang="en-US" sz="3600" b="0" dirty="0" smtClean="0"/>
               <a:t>后缀</a:t>
             </a:r>
-            <a:endParaRPr lang="en-US" altLang="zh-CN" sz="3600" dirty="0" smtClean="0"/>
-          </a:p>
-          <a:p>
-            <a:endParaRPr lang="en-US" altLang="zh-CN" sz="3600" dirty="0" smtClean="0"/>
-          </a:p>
-          <a:p>
-            <a:r>
-              <a:rPr lang="zh-CN" altLang="en-US" dirty="0"/>
+            <a:endParaRPr lang="en-US" altLang="zh-CN" sz="3600" b="0" dirty="0" smtClean="0"/>
+          </a:p>
+          <a:p>
+            <a:endParaRPr lang="en-US" altLang="zh-CN" sz="3600" b="0" dirty="0" smtClean="0"/>
+          </a:p>
+          <a:p>
+            <a:r>
+              <a:rPr lang="zh-CN" altLang="en-US" b="0" dirty="0"/>
               <a:t>在</a:t>
             </a:r>
             <a:r>
-              <a:rPr lang="en-US" altLang="zh-CN" dirty="0"/>
+              <a:rPr lang="en-US" altLang="zh-CN" b="0" dirty="0"/>
               <a:t>script</a:t>
             </a:r>
             <a:r>
-              <a:rPr lang="zh-CN" altLang="en-US" dirty="0"/>
+              <a:rPr lang="zh-CN" altLang="en-US" b="0" dirty="0"/>
               <a:t>标签上加上</a:t>
             </a:r>
             <a:r>
-              <a:rPr lang="en-US" altLang="zh-CN" dirty="0" err="1"/>
+              <a:rPr lang="en-US" altLang="zh-CN" b="0" dirty="0" err="1"/>
               <a:t>lang</a:t>
             </a:r>
             <a:r>
-              <a:rPr lang="en-US" altLang="zh-CN" dirty="0"/>
+              <a:rPr lang="en-US" altLang="zh-CN" b="0" dirty="0"/>
               <a:t>=“</a:t>
             </a:r>
             <a:r>
-              <a:rPr lang="en-US" altLang="zh-CN" dirty="0" err="1"/>
+              <a:rPr lang="en-US" altLang="zh-CN" b="0" dirty="0" err="1"/>
               <a:t>ts</a:t>
             </a:r>
             <a:r>
-              <a:rPr lang="en-US" altLang="zh-CN" dirty="0" smtClean="0"/>
+              <a:rPr lang="en-US" altLang="zh-CN" b="0" dirty="0" smtClean="0"/>
               <a:t>”</a:t>
             </a:r>
-            <a:endParaRPr lang="zh-CN" altLang="en-US" dirty="0"/>
+            <a:endParaRPr lang="zh-CN" altLang="en-US" b="0" dirty="0"/>
           </a:p>
         </p:txBody>
       </p:sp>
@@ -6433,7 +6430,7 @@
           </a:ln>
           <a:extLst>
             <a:ext uri="{C572A759-6A51-4108-AA02-DFA0A04FC94B}">
-              <ma14:wrappingTextBoxFlag xmlns:ma14="http://schemas.microsoft.com/office/mac/drawingml/2011/main" xmlns:a14="http://schemas.microsoft.com/office/drawing/2010/main" xmlns:m="http://schemas.openxmlformats.org/officeDocument/2006/math" xmlns="" val="1"/>
+              <ma14:wrappingTextBoxFlag xmlns="" xmlns:m="http://schemas.openxmlformats.org/officeDocument/2006/math" xmlns:a14="http://schemas.microsoft.com/office/drawing/2010/main" xmlns:ma14="http://schemas.microsoft.com/office/mac/drawingml/2011/main" val="1"/>
             </a:ext>
           </a:extLst>
         </p:spPr>
@@ -6516,21 +6513,21 @@
           <a:lstStyle/>
           <a:p>
             <a:r>
-              <a:rPr lang="zh-CN" altLang="en-US" dirty="0"/>
+              <a:rPr lang="zh-CN" altLang="en-US" b="0" dirty="0"/>
               <a:t>优点：编译期解决大量的错误避免一些线上问题、团队协作更加便捷减少沟通成本、学习方便、适合长期维护项目和大型项目</a:t>
             </a:r>
             <a:r>
-              <a:rPr lang="zh-CN" altLang="en-US" dirty="0" smtClean="0"/>
+              <a:rPr lang="zh-CN" altLang="en-US" b="0" dirty="0" smtClean="0"/>
               <a:t>。</a:t>
             </a:r>
-            <a:endParaRPr lang="en-US" altLang="zh-CN" dirty="0" smtClean="0"/>
-          </a:p>
-          <a:p>
-            <a:endParaRPr lang="en-US" altLang="zh-CN" dirty="0"/>
-          </a:p>
-          <a:p>
-            <a:r>
-              <a:rPr lang="zh-CN" altLang="en-US" dirty="0"/>
+            <a:endParaRPr lang="en-US" altLang="zh-CN" b="0" dirty="0" smtClean="0"/>
+          </a:p>
+          <a:p>
+            <a:endParaRPr lang="en-US" altLang="zh-CN" b="0" dirty="0"/>
+          </a:p>
+          <a:p>
+            <a:r>
+              <a:rPr lang="zh-CN" altLang="en-US" b="0" dirty="0"/>
               <a:t>缺点：有一定的学习成本、短期内会增加一些开发成本、可能和一些库结合不是很完美需要自己生成声明文件。</a:t>
             </a:r>
           </a:p>
@@ -6551,7 +6548,7 @@
               <a:buNone/>
               <a:tabLst/>
             </a:pPr>
-            <a:endParaRPr kumimoji="0" lang="zh-CN" altLang="en-US" sz="5000" b="1" i="0" u="none" strike="noStrike" cap="none" spc="0" normalizeH="0" baseline="0" dirty="0">
+            <a:endParaRPr kumimoji="0" lang="zh-CN" altLang="en-US" sz="5000" b="0" i="0" u="none" strike="noStrike" cap="none" spc="0" normalizeH="0" baseline="0" dirty="0">
               <a:ln>
                 <a:noFill/>
               </a:ln>
@@ -6560,9 +6557,6 @@
               </a:solidFill>
               <a:effectLst/>
               <a:uFillTx/>
-              <a:latin typeface="+mj-lt"/>
-              <a:ea typeface="+mj-ea"/>
-              <a:cs typeface="+mj-cs"/>
               <a:sym typeface="Helvetica"/>
             </a:endParaRPr>
           </a:p>
@@ -6609,79 +6603,79 @@
           <a:lstStyle/>
           <a:p>
             <a:r>
-              <a:rPr lang="zh-CN" altLang="en-US" dirty="0"/>
+              <a:rPr lang="zh-CN" altLang="en-US" b="0" dirty="0"/>
               <a:t>相关链接</a:t>
             </a:r>
-            <a:endParaRPr lang="en-US" altLang="zh-CN" dirty="0"/>
-          </a:p>
-          <a:p>
-            <a:r>
-              <a:rPr lang="en-US" altLang="zh-CN" sz="3600" dirty="0">
+            <a:endParaRPr lang="en-US" altLang="zh-CN" b="0" dirty="0"/>
+          </a:p>
+          <a:p>
+            <a:r>
+              <a:rPr lang="en-US" altLang="zh-CN" sz="3600" b="0" dirty="0">
                 <a:hlinkClick r:id="rId2"/>
               </a:rPr>
               <a:t>https://typescript.bootcss.com/</a:t>
             </a:r>
-            <a:endParaRPr lang="en-US" altLang="zh-CN" sz="3600" dirty="0"/>
-          </a:p>
-          <a:p>
-            <a:r>
-              <a:rPr lang="en-US" altLang="zh-CN" sz="3600" dirty="0">
+            <a:endParaRPr lang="en-US" altLang="zh-CN" sz="3600" b="0" dirty="0"/>
+          </a:p>
+          <a:p>
+            <a:r>
+              <a:rPr lang="en-US" altLang="zh-CN" sz="3600" b="0" dirty="0">
                 <a:hlinkClick r:id="rId3"/>
               </a:rPr>
               <a:t>https://ts.xcatliu.com/</a:t>
             </a:r>
-            <a:endParaRPr lang="en-US" altLang="zh-CN" sz="3600" dirty="0"/>
-          </a:p>
-          <a:p>
-            <a:r>
-              <a:rPr lang="en-US" altLang="zh-CN" sz="3600" dirty="0">
+            <a:endParaRPr lang="en-US" altLang="zh-CN" sz="3600" b="0" dirty="0"/>
+          </a:p>
+          <a:p>
+            <a:r>
+              <a:rPr lang="en-US" altLang="zh-CN" sz="3600" b="0" dirty="0">
                 <a:hlinkClick r:id="rId4"/>
               </a:rPr>
               <a:t>https://www.runoob.com/typescript/ts-tutorial.html</a:t>
             </a:r>
-            <a:endParaRPr lang="en-US" altLang="zh-CN" sz="3600" dirty="0"/>
-          </a:p>
-          <a:p>
-            <a:r>
-              <a:rPr lang="en-US" altLang="zh-CN" sz="3600" dirty="0">
+            <a:endParaRPr lang="en-US" altLang="zh-CN" sz="3600" b="0" dirty="0"/>
+          </a:p>
+          <a:p>
+            <a:r>
+              <a:rPr lang="en-US" altLang="zh-CN" sz="3600" b="0" dirty="0">
                 <a:hlinkClick r:id="rId5"/>
               </a:rPr>
               <a:t>https://www.cnblogs.com/ys-ys/p/5241783.html</a:t>
             </a:r>
-            <a:endParaRPr lang="en-US" altLang="zh-CN" sz="3600" dirty="0"/>
-          </a:p>
-          <a:p>
-            <a:r>
-              <a:rPr lang="en-US" altLang="zh-CN" sz="3600" dirty="0">
+            <a:endParaRPr lang="en-US" altLang="zh-CN" sz="3600" b="0" dirty="0"/>
+          </a:p>
+          <a:p>
+            <a:r>
+              <a:rPr lang="en-US" altLang="zh-CN" sz="3600" b="0" dirty="0">
                 <a:hlinkClick r:id="rId6"/>
               </a:rPr>
               <a:t>https://microsoft.github.io/TypeSearch/</a:t>
             </a:r>
-            <a:endParaRPr lang="en-US" altLang="zh-CN" sz="3600" dirty="0"/>
-          </a:p>
-          <a:p>
-            <a:r>
-              <a:rPr lang="en-US" altLang="zh-CN" sz="3600" dirty="0">
+            <a:endParaRPr lang="en-US" altLang="zh-CN" sz="3600" b="0" dirty="0"/>
+          </a:p>
+          <a:p>
+            <a:r>
+              <a:rPr lang="en-US" altLang="zh-CN" sz="3600" b="0" dirty="0">
                 <a:hlinkClick r:id="rId7"/>
               </a:rPr>
               <a:t>https://www.imooc.com/article/41842</a:t>
             </a:r>
-            <a:endParaRPr lang="en-US" altLang="zh-CN" sz="3600" dirty="0"/>
-          </a:p>
-          <a:p>
-            <a:r>
-              <a:rPr lang="en-US" altLang="zh-CN" sz="3600" dirty="0">
+            <a:endParaRPr lang="en-US" altLang="zh-CN" sz="3600" b="0" dirty="0"/>
+          </a:p>
+          <a:p>
+            <a:r>
+              <a:rPr lang="en-US" altLang="zh-CN" sz="3600" b="0" dirty="0">
                 <a:hlinkClick r:id="rId8"/>
               </a:rPr>
               <a:t>https://</a:t>
             </a:r>
             <a:r>
-              <a:rPr lang="en-US" altLang="zh-CN" sz="3600" dirty="0" smtClean="0">
+              <a:rPr lang="en-US" altLang="zh-CN" sz="3600" b="0" dirty="0" smtClean="0">
                 <a:hlinkClick r:id="rId8"/>
               </a:rPr>
               <a:t>www.jianshu.com/p/ec5dcdeed550</a:t>
             </a:r>
-            <a:endParaRPr lang="en-US" altLang="zh-CN" sz="3600" dirty="0"/>
+            <a:endParaRPr lang="en-US" altLang="zh-CN" sz="3600" b="0" dirty="0"/>
           </a:p>
         </p:txBody>
       </p:sp>
@@ -6749,7 +6743,7 @@
           </a:effectLst>
           <a:extLst>
             <a:ext uri="{C572A759-6A51-4108-AA02-DFA0A04FC94B}">
-              <ma14:wrappingTextBoxFlag xmlns:ma14="http://schemas.microsoft.com/office/mac/drawingml/2011/main" xmlns:a14="http://schemas.microsoft.com/office/drawing/2010/main" xmlns:m="http://schemas.openxmlformats.org/officeDocument/2006/math" xmlns="" val="1"/>
+              <ma14:wrappingTextBoxFlag xmlns="" xmlns:m="http://schemas.openxmlformats.org/officeDocument/2006/math" xmlns:a14="http://schemas.microsoft.com/office/drawing/2010/main" xmlns:ma14="http://schemas.microsoft.com/office/mac/drawingml/2011/main" val="1"/>
             </a:ext>
           </a:extLst>
         </p:spPr>
@@ -6861,7 +6855,7 @@
           </a:ln>
           <a:extLst>
             <a:ext uri="{C572A759-6A51-4108-AA02-DFA0A04FC94B}">
-              <ma14:wrappingTextBoxFlag xmlns:ma14="http://schemas.microsoft.com/office/mac/drawingml/2011/main" xmlns:a14="http://schemas.microsoft.com/office/drawing/2010/main" xmlns:m="http://schemas.openxmlformats.org/officeDocument/2006/math" xmlns="" val="1"/>
+              <ma14:wrappingTextBoxFlag xmlns="" xmlns:m="http://schemas.openxmlformats.org/officeDocument/2006/math" xmlns:a14="http://schemas.microsoft.com/office/drawing/2010/main" xmlns:ma14="http://schemas.microsoft.com/office/mac/drawingml/2011/main" val="1"/>
             </a:ext>
           </a:extLst>
         </p:spPr>
@@ -6953,104 +6947,104 @@
           <a:lstStyle/>
           <a:p>
             <a:r>
-              <a:rPr lang="en-US" altLang="zh-CN" dirty="0" err="1"/>
+              <a:rPr lang="en-US" altLang="zh-CN" b="0" dirty="0" err="1"/>
               <a:t>TypeScript</a:t>
             </a:r>
             <a:r>
-              <a:rPr lang="zh-CN" altLang="en-US" dirty="0"/>
+              <a:rPr lang="zh-CN" altLang="en-US" b="0" dirty="0"/>
               <a:t>是</a:t>
             </a:r>
             <a:r>
-              <a:rPr lang="en-US" altLang="zh-CN" dirty="0"/>
+              <a:rPr lang="en-US" altLang="zh-CN" b="0" dirty="0"/>
               <a:t>JavaScript </a:t>
             </a:r>
             <a:r>
-              <a:rPr lang="zh-CN" altLang="en-US" dirty="0"/>
-              <a:t>的一个超集</a:t>
-            </a:r>
-            <a:r>
-              <a:rPr lang="en-US" altLang="zh-CN" dirty="0"/>
+              <a:rPr lang="zh-CN" altLang="en-US" b="0" dirty="0"/>
+              <a:t>的一个超</a:t>
+            </a:r>
+            <a:r>
+              <a:rPr lang="zh-CN" altLang="en-US" b="0" dirty="0" smtClean="0"/>
+              <a:t>集，主要</a:t>
+            </a:r>
+            <a:r>
+              <a:rPr lang="zh-CN" altLang="en-US" b="0" dirty="0"/>
+              <a:t>提供了类型系统和对</a:t>
+            </a:r>
+            <a:r>
+              <a:rPr lang="en-US" altLang="zh-CN" b="0" dirty="0" smtClean="0"/>
+              <a:t>ES6</a:t>
+            </a:r>
+          </a:p>
+          <a:p>
+            <a:endParaRPr lang="en-US" altLang="zh-CN" b="0" dirty="0"/>
+          </a:p>
+          <a:p>
+            <a:r>
+              <a:rPr lang="zh-CN" altLang="en-US" b="0" dirty="0" smtClean="0"/>
+              <a:t>的</a:t>
+            </a:r>
+            <a:r>
+              <a:rPr lang="zh-CN" altLang="en-US" b="0" dirty="0"/>
+              <a:t>支持。它可以编译成纯 </a:t>
+            </a:r>
+            <a:r>
+              <a:rPr lang="en-US" altLang="zh-CN" b="0" dirty="0"/>
+              <a:t>JavaScript</a:t>
+            </a:r>
+            <a:r>
+              <a:rPr lang="zh-CN" altLang="en-US" b="0" dirty="0"/>
+              <a:t>。编译出来的 </a:t>
+            </a:r>
+            <a:r>
+              <a:rPr lang="en-US" altLang="zh-CN" b="0" dirty="0"/>
+              <a:t>JavaScript </a:t>
+            </a:r>
+            <a:r>
+              <a:rPr lang="zh-CN" altLang="en-US" b="0" dirty="0" smtClean="0"/>
+              <a:t>可以</a:t>
+            </a:r>
+            <a:endParaRPr lang="en-US" altLang="zh-CN" b="0" dirty="0" smtClean="0"/>
+          </a:p>
+          <a:p>
+            <a:endParaRPr lang="en-US" altLang="zh-CN" b="0" dirty="0"/>
+          </a:p>
+          <a:p>
+            <a:r>
+              <a:rPr lang="zh-CN" altLang="en-US" b="0" dirty="0" smtClean="0"/>
+              <a:t>运行</a:t>
+            </a:r>
+            <a:r>
+              <a:rPr lang="zh-CN" altLang="en-US" b="0" dirty="0"/>
+              <a:t>在任何浏览器上。由</a:t>
+            </a:r>
+            <a:r>
+              <a:rPr lang="en-US" altLang="zh-CN" b="0" dirty="0"/>
+              <a:t>Microsoft</a:t>
+            </a:r>
+            <a:r>
+              <a:rPr lang="zh-CN" altLang="en-US" b="0" dirty="0"/>
+              <a:t>开发</a:t>
+            </a:r>
+            <a:r>
+              <a:rPr lang="en-US" altLang="zh-CN" b="0" dirty="0"/>
               <a:t>,</a:t>
             </a:r>
             <a:r>
-              <a:rPr lang="zh-CN" altLang="en-US" dirty="0"/>
-              <a:t>主要提供了类型系统和对</a:t>
-            </a:r>
-            <a:r>
-              <a:rPr lang="en-US" altLang="zh-CN" dirty="0" smtClean="0"/>
-              <a:t>ES6</a:t>
-            </a:r>
-          </a:p>
-          <a:p>
-            <a:endParaRPr lang="en-US" altLang="zh-CN" dirty="0"/>
-          </a:p>
-          <a:p>
-            <a:r>
-              <a:rPr lang="zh-CN" altLang="en-US" dirty="0" smtClean="0"/>
-              <a:t>的</a:t>
-            </a:r>
-            <a:r>
-              <a:rPr lang="zh-CN" altLang="en-US" dirty="0"/>
-              <a:t>支持。它可以编译成纯 </a:t>
-            </a:r>
-            <a:r>
-              <a:rPr lang="en-US" altLang="zh-CN" dirty="0"/>
-              <a:t>JavaScript</a:t>
-            </a:r>
-            <a:r>
-              <a:rPr lang="zh-CN" altLang="en-US" dirty="0"/>
-              <a:t>。编译出来的 </a:t>
-            </a:r>
-            <a:r>
-              <a:rPr lang="en-US" altLang="zh-CN" dirty="0"/>
-              <a:t>JavaScript </a:t>
-            </a:r>
-            <a:r>
-              <a:rPr lang="zh-CN" altLang="en-US" dirty="0" smtClean="0"/>
-              <a:t>可以</a:t>
-            </a:r>
-            <a:endParaRPr lang="en-US" altLang="zh-CN" dirty="0" smtClean="0"/>
-          </a:p>
-          <a:p>
-            <a:endParaRPr lang="en-US" altLang="zh-CN" dirty="0"/>
-          </a:p>
-          <a:p>
-            <a:r>
-              <a:rPr lang="zh-CN" altLang="en-US" dirty="0" smtClean="0"/>
-              <a:t>运行</a:t>
-            </a:r>
-            <a:r>
-              <a:rPr lang="zh-CN" altLang="en-US" dirty="0"/>
-              <a:t>在任何浏览器上。由</a:t>
-            </a:r>
-            <a:r>
-              <a:rPr lang="en-US" altLang="zh-CN" dirty="0"/>
-              <a:t>Microsoft</a:t>
-            </a:r>
-            <a:r>
-              <a:rPr lang="zh-CN" altLang="en-US" dirty="0"/>
-              <a:t>开发</a:t>
-            </a:r>
-            <a:r>
-              <a:rPr lang="en-US" altLang="zh-CN" dirty="0"/>
-              <a:t>,</a:t>
-            </a:r>
-            <a:r>
-              <a:rPr lang="zh-CN" altLang="en-US" dirty="0"/>
+              <a:rPr lang="zh-CN" altLang="en-US" b="0" dirty="0"/>
               <a:t>并开源于</a:t>
             </a:r>
             <a:r>
-              <a:rPr lang="en-US" altLang="zh-CN" dirty="0" err="1">
+              <a:rPr lang="en-US" altLang="zh-CN" b="0" dirty="0" err="1">
                 <a:hlinkClick r:id="rId2"/>
               </a:rPr>
               <a:t>GitHub</a:t>
             </a:r>
             <a:r>
-              <a:rPr lang="zh-CN" altLang="en-US" dirty="0"/>
+              <a:rPr lang="zh-CN" altLang="en-US" b="0" dirty="0"/>
               <a:t>上</a:t>
             </a:r>
             <a:r>
-              <a:rPr lang="en-US" altLang="zh-CN" dirty="0"/>
+              <a:rPr lang="en-US" altLang="zh-CN" b="0" dirty="0"/>
               <a:t>.</a:t>
             </a:r>
           </a:p>
@@ -7140,7 +7134,7 @@
           </a:ln>
           <a:extLst>
             <a:ext uri="{C572A759-6A51-4108-AA02-DFA0A04FC94B}">
-              <ma14:wrappingTextBoxFlag xmlns:ma14="http://schemas.microsoft.com/office/mac/drawingml/2011/main" xmlns:a14="http://schemas.microsoft.com/office/drawing/2010/main" xmlns:m="http://schemas.openxmlformats.org/officeDocument/2006/math" xmlns="" val="1"/>
+              <ma14:wrappingTextBoxFlag xmlns="" xmlns:m="http://schemas.openxmlformats.org/officeDocument/2006/math" xmlns:a14="http://schemas.microsoft.com/office/drawing/2010/main" xmlns:ma14="http://schemas.microsoft.com/office/mac/drawingml/2011/main" val="1"/>
             </a:ext>
           </a:extLst>
         </p:spPr>
@@ -7240,291 +7234,291 @@
           <a:lstStyle/>
           <a:p>
             <a:r>
-              <a:rPr lang="en-US" altLang="zh-CN" sz="3600" dirty="0" smtClean="0"/>
+              <a:rPr lang="en-US" altLang="zh-CN" sz="3600" b="0" dirty="0" smtClean="0"/>
               <a:t>1. </a:t>
             </a:r>
             <a:r>
-              <a:rPr lang="zh-CN" altLang="en-US" sz="3600" dirty="0" smtClean="0"/>
+              <a:rPr lang="zh-CN" altLang="en-US" sz="3600" b="0" dirty="0" smtClean="0"/>
               <a:t>静态</a:t>
             </a:r>
             <a:r>
-              <a:rPr lang="zh-CN" altLang="en-US" sz="3600" dirty="0"/>
+              <a:rPr lang="zh-CN" altLang="en-US" sz="3600" b="0" dirty="0"/>
               <a:t>类型化</a:t>
             </a:r>
             <a:r>
-              <a:rPr lang="en-US" altLang="zh-CN" sz="3600" dirty="0"/>
+              <a:rPr lang="en-US" altLang="zh-CN" sz="3600" b="0" dirty="0"/>
               <a:t>,</a:t>
             </a:r>
             <a:r>
-              <a:rPr lang="zh-CN" altLang="en-US" sz="3600" dirty="0"/>
+              <a:rPr lang="zh-CN" altLang="en-US" sz="3600" b="0" dirty="0"/>
               <a:t>类型系统就是最好的文档</a:t>
             </a:r>
             <a:r>
-              <a:rPr lang="en-US" altLang="zh-CN" sz="3600" dirty="0"/>
+              <a:rPr lang="en-US" altLang="zh-CN" sz="3600" b="0" dirty="0"/>
               <a:t>,</a:t>
             </a:r>
             <a:r>
-              <a:rPr lang="zh-CN" altLang="en-US" sz="3600" dirty="0"/>
+              <a:rPr lang="zh-CN" altLang="en-US" sz="3600" b="0" dirty="0"/>
               <a:t>大部分函数看类型定义就知道如何使用了</a:t>
             </a:r>
             <a:r>
-              <a:rPr lang="en-US" altLang="zh-CN" sz="3600" dirty="0"/>
+              <a:rPr lang="en-US" altLang="zh-CN" sz="3600" b="0" dirty="0"/>
               <a:t>,</a:t>
             </a:r>
             <a:r>
-              <a:rPr lang="zh-CN" altLang="en-US" sz="3600" dirty="0"/>
+              <a:rPr lang="zh-CN" altLang="en-US" sz="3600" b="0" dirty="0"/>
               <a:t>能在编译期发现更多的</a:t>
             </a:r>
             <a:r>
-              <a:rPr lang="zh-CN" altLang="en-US" sz="3600" dirty="0" smtClean="0"/>
+              <a:rPr lang="zh-CN" altLang="en-US" sz="3600" b="0" dirty="0" smtClean="0"/>
               <a:t>错误</a:t>
             </a:r>
-            <a:endParaRPr lang="en-US" altLang="zh-CN" sz="3600" dirty="0" smtClean="0"/>
-          </a:p>
-          <a:p>
-            <a:endParaRPr lang="en-US" altLang="zh-CN" sz="3600" dirty="0" smtClean="0"/>
-          </a:p>
-          <a:p>
-            <a:r>
-              <a:rPr lang="en-US" altLang="zh-CN" sz="3600" dirty="0" smtClean="0"/>
+            <a:endParaRPr lang="en-US" altLang="zh-CN" sz="3600" b="0" dirty="0" smtClean="0"/>
+          </a:p>
+          <a:p>
+            <a:endParaRPr lang="en-US" altLang="zh-CN" sz="3600" b="0" dirty="0" smtClean="0"/>
+          </a:p>
+          <a:p>
+            <a:r>
+              <a:rPr lang="en-US" altLang="zh-CN" sz="3600" b="0" dirty="0" smtClean="0"/>
               <a:t>2. </a:t>
             </a:r>
             <a:r>
-              <a:rPr lang="en-US" altLang="zh-CN" sz="3600" dirty="0" err="1" smtClean="0"/>
+              <a:rPr lang="en-US" altLang="zh-CN" sz="3600" b="0" dirty="0" err="1" smtClean="0"/>
               <a:t>TypeScript</a:t>
             </a:r>
             <a:r>
-              <a:rPr lang="zh-CN" altLang="en-US" sz="3600" dirty="0"/>
+              <a:rPr lang="zh-CN" altLang="en-US" sz="3600" b="0" dirty="0"/>
               <a:t>是</a:t>
             </a:r>
             <a:r>
-              <a:rPr lang="en-US" altLang="zh-CN" sz="3600" dirty="0"/>
+              <a:rPr lang="en-US" altLang="zh-CN" sz="3600" b="0" dirty="0"/>
               <a:t>JavaScript</a:t>
             </a:r>
             <a:r>
-              <a:rPr lang="zh-CN" altLang="en-US" sz="3600" dirty="0"/>
+              <a:rPr lang="zh-CN" altLang="en-US" sz="3600" b="0" dirty="0"/>
               <a:t>的超集</a:t>
             </a:r>
             <a:r>
-              <a:rPr lang="en-US" altLang="zh-CN" sz="3600" dirty="0"/>
+              <a:rPr lang="en-US" altLang="zh-CN" sz="3600" b="0" dirty="0"/>
               <a:t>,.js</a:t>
             </a:r>
             <a:r>
-              <a:rPr lang="zh-CN" altLang="en-US" sz="3600" dirty="0"/>
+              <a:rPr lang="zh-CN" altLang="en-US" sz="3600" b="0" dirty="0"/>
               <a:t>文件直接命名为</a:t>
             </a:r>
             <a:r>
-              <a:rPr lang="en-US" altLang="zh-CN" sz="3600" dirty="0"/>
+              <a:rPr lang="en-US" altLang="zh-CN" sz="3600" b="0" dirty="0"/>
               <a:t>.</a:t>
             </a:r>
             <a:r>
-              <a:rPr lang="en-US" altLang="zh-CN" sz="3600" dirty="0" err="1"/>
+              <a:rPr lang="en-US" altLang="zh-CN" sz="3600" b="0" dirty="0" err="1"/>
               <a:t>ts</a:t>
             </a:r>
             <a:r>
-              <a:rPr lang="zh-CN" altLang="en-US" sz="3600" dirty="0"/>
+              <a:rPr lang="zh-CN" altLang="en-US" sz="3600" b="0" dirty="0"/>
               <a:t>即</a:t>
             </a:r>
             <a:r>
-              <a:rPr lang="zh-CN" altLang="en-US" sz="3600" dirty="0" smtClean="0"/>
+              <a:rPr lang="zh-CN" altLang="en-US" sz="3600" b="0" dirty="0" smtClean="0"/>
               <a:t>可</a:t>
             </a:r>
-            <a:endParaRPr lang="en-US" altLang="zh-CN" sz="3600" dirty="0" smtClean="0"/>
+            <a:endParaRPr lang="en-US" altLang="zh-CN" sz="3600" b="0" dirty="0" smtClean="0"/>
           </a:p>
           <a:p>
             <a:pPr marL="914400" indent="-914400">
               <a:buFontTx/>
               <a:buAutoNum type="arabicPeriod"/>
             </a:pPr>
-            <a:endParaRPr lang="en-US" altLang="zh-CN" sz="3600" dirty="0" smtClean="0"/>
-          </a:p>
-          <a:p>
-            <a:r>
-              <a:rPr lang="en-US" altLang="zh-CN" sz="3600" dirty="0" smtClean="0"/>
+            <a:endParaRPr lang="en-US" altLang="zh-CN" sz="3600" b="0" dirty="0" smtClean="0"/>
+          </a:p>
+          <a:p>
+            <a:r>
+              <a:rPr lang="en-US" altLang="zh-CN" sz="3600" b="0" dirty="0" smtClean="0"/>
               <a:t>3. </a:t>
             </a:r>
             <a:r>
-              <a:rPr lang="zh-CN" altLang="en-US" sz="3600" dirty="0" smtClean="0"/>
+              <a:rPr lang="zh-CN" altLang="en-US" sz="3600" b="0" dirty="0" smtClean="0"/>
               <a:t>即使</a:t>
             </a:r>
             <a:r>
-              <a:rPr lang="zh-CN" altLang="en-US" sz="3600" dirty="0"/>
+              <a:rPr lang="zh-CN" altLang="en-US" sz="3600" b="0" dirty="0"/>
               <a:t>编译报错也能生成</a:t>
             </a:r>
             <a:r>
-              <a:rPr lang="en-US" altLang="zh-CN" sz="3600" dirty="0"/>
+              <a:rPr lang="en-US" altLang="zh-CN" sz="3600" b="0" dirty="0"/>
               <a:t>.</a:t>
             </a:r>
             <a:r>
-              <a:rPr lang="en-US" altLang="zh-CN" sz="3600" dirty="0" err="1"/>
+              <a:rPr lang="en-US" altLang="zh-CN" sz="3600" b="0" dirty="0" err="1"/>
               <a:t>js</a:t>
             </a:r>
             <a:r>
-              <a:rPr lang="zh-CN" altLang="en-US" sz="3600" dirty="0" smtClean="0"/>
+              <a:rPr lang="zh-CN" altLang="en-US" sz="3600" b="0" dirty="0" smtClean="0"/>
               <a:t>文件</a:t>
             </a:r>
-            <a:endParaRPr lang="en-US" altLang="zh-CN" sz="3600" dirty="0" smtClean="0"/>
-          </a:p>
-          <a:p>
-            <a:endParaRPr lang="en-US" altLang="zh-CN" sz="3600" dirty="0"/>
-          </a:p>
-          <a:p>
-            <a:r>
-              <a:rPr lang="en-US" altLang="zh-CN" sz="3600" dirty="0" smtClean="0"/>
+            <a:endParaRPr lang="en-US" altLang="zh-CN" sz="3600" b="0" dirty="0" smtClean="0"/>
+          </a:p>
+          <a:p>
+            <a:endParaRPr lang="en-US" altLang="zh-CN" sz="3600" b="0" dirty="0"/>
+          </a:p>
+          <a:p>
+            <a:r>
+              <a:rPr lang="en-US" altLang="zh-CN" sz="3600" b="0" dirty="0" smtClean="0"/>
               <a:t>4. </a:t>
             </a:r>
             <a:r>
-              <a:rPr lang="zh-CN" altLang="en-US" sz="3600" dirty="0" smtClean="0"/>
+              <a:rPr lang="zh-CN" altLang="en-US" sz="3600" b="0" dirty="0" smtClean="0"/>
               <a:t>兼容</a:t>
             </a:r>
             <a:r>
-              <a:rPr lang="zh-CN" altLang="en-US" sz="3600" dirty="0"/>
+              <a:rPr lang="zh-CN" altLang="en-US" sz="3600" b="0" dirty="0"/>
               <a:t>第三方库</a:t>
             </a:r>
             <a:r>
-              <a:rPr lang="en-US" altLang="zh-CN" sz="3600" dirty="0"/>
+              <a:rPr lang="en-US" altLang="zh-CN" sz="3600" b="0" dirty="0"/>
               <a:t>,</a:t>
             </a:r>
             <a:r>
-              <a:rPr lang="zh-CN" altLang="en-US" sz="3600" dirty="0"/>
+              <a:rPr lang="zh-CN" altLang="en-US" sz="3600" b="0" dirty="0"/>
               <a:t>即使不是</a:t>
             </a:r>
             <a:r>
-              <a:rPr lang="en-US" altLang="zh-CN" sz="3600" dirty="0" err="1"/>
+              <a:rPr lang="en-US" altLang="zh-CN" sz="3600" b="0" dirty="0" err="1"/>
               <a:t>ts</a:t>
             </a:r>
             <a:r>
-              <a:rPr lang="zh-CN" altLang="en-US" sz="3600" dirty="0"/>
+              <a:rPr lang="zh-CN" altLang="en-US" sz="3600" b="0" dirty="0"/>
               <a:t>写的</a:t>
             </a:r>
             <a:r>
-              <a:rPr lang="en-US" altLang="zh-CN" sz="3600" dirty="0"/>
+              <a:rPr lang="en-US" altLang="zh-CN" sz="3600" b="0" dirty="0"/>
               <a:t>,</a:t>
             </a:r>
             <a:r>
-              <a:rPr lang="zh-CN" altLang="en-US" sz="3600" dirty="0"/>
+              <a:rPr lang="zh-CN" altLang="en-US" sz="3600" b="0" dirty="0"/>
               <a:t>只要有类型文件也能够</a:t>
             </a:r>
             <a:r>
-              <a:rPr lang="zh-CN" altLang="en-US" sz="3600" dirty="0" smtClean="0"/>
+              <a:rPr lang="zh-CN" altLang="en-US" sz="3600" b="0" dirty="0" smtClean="0"/>
               <a:t>使用</a:t>
             </a:r>
-            <a:endParaRPr lang="en-US" altLang="zh-CN" sz="3600" dirty="0" smtClean="0"/>
-          </a:p>
-          <a:p>
-            <a:endParaRPr lang="en-US" altLang="zh-CN" sz="3600" dirty="0" smtClean="0"/>
-          </a:p>
-          <a:p>
-            <a:r>
-              <a:rPr lang="en-US" altLang="zh-CN" sz="3600" dirty="0" smtClean="0"/>
+            <a:endParaRPr lang="en-US" altLang="zh-CN" sz="3600" b="0" dirty="0" smtClean="0"/>
+          </a:p>
+          <a:p>
+            <a:endParaRPr lang="en-US" altLang="zh-CN" sz="3600" b="0" dirty="0" smtClean="0"/>
+          </a:p>
+          <a:p>
+            <a:r>
+              <a:rPr lang="en-US" altLang="zh-CN" sz="3600" b="0" dirty="0" smtClean="0"/>
               <a:t>5. </a:t>
             </a:r>
             <a:r>
-              <a:rPr lang="zh-CN" altLang="en-US" sz="3600" dirty="0" smtClean="0"/>
+              <a:rPr lang="zh-CN" altLang="en-US" sz="3600" b="0" dirty="0" smtClean="0"/>
               <a:t>社区</a:t>
             </a:r>
             <a:r>
-              <a:rPr lang="zh-CN" altLang="en-US" sz="3600" dirty="0"/>
+              <a:rPr lang="zh-CN" altLang="en-US" sz="3600" b="0" dirty="0"/>
               <a:t>活跃</a:t>
             </a:r>
             <a:r>
-              <a:rPr lang="en-US" altLang="zh-CN" sz="3600" dirty="0"/>
+              <a:rPr lang="en-US" altLang="zh-CN" sz="3600" b="0" dirty="0"/>
               <a:t>,Angular2+</a:t>
             </a:r>
             <a:r>
-              <a:rPr lang="zh-CN" altLang="en-US" sz="3600" dirty="0"/>
+              <a:rPr lang="zh-CN" altLang="en-US" sz="3600" b="0" dirty="0"/>
               <a:t>就是使用</a:t>
             </a:r>
             <a:r>
-              <a:rPr lang="en-US" altLang="zh-CN" sz="3600" dirty="0" err="1"/>
+              <a:rPr lang="en-US" altLang="zh-CN" sz="3600" b="0" dirty="0" err="1"/>
               <a:t>TypeScript</a:t>
             </a:r>
             <a:r>
-              <a:rPr lang="zh-CN" altLang="en-US" sz="3600" dirty="0"/>
+              <a:rPr lang="zh-CN" altLang="en-US" sz="3600" b="0" dirty="0"/>
               <a:t>编写的</a:t>
             </a:r>
             <a:r>
-              <a:rPr lang="en-US" altLang="zh-CN" sz="3600" dirty="0"/>
+              <a:rPr lang="en-US" altLang="zh-CN" sz="3600" b="0" dirty="0"/>
               <a:t>,Vue3</a:t>
             </a:r>
             <a:r>
-              <a:rPr lang="zh-CN" altLang="en-US" sz="3600" dirty="0"/>
+              <a:rPr lang="zh-CN" altLang="en-US" sz="3600" b="0" dirty="0"/>
               <a:t>也大力推</a:t>
             </a:r>
             <a:r>
-              <a:rPr lang="en-US" altLang="zh-CN" sz="3600" dirty="0" err="1"/>
+              <a:rPr lang="en-US" altLang="zh-CN" sz="3600" b="0" dirty="0" err="1"/>
               <a:t>TypeScript</a:t>
             </a:r>
-            <a:endParaRPr lang="en-US" altLang="zh-CN" sz="3600" dirty="0"/>
-          </a:p>
-          <a:p>
-            <a:endParaRPr lang="en-US" altLang="zh-CN" sz="3600" dirty="0" smtClean="0"/>
-          </a:p>
-          <a:p>
-            <a:r>
-              <a:rPr lang="en-US" altLang="zh-CN" sz="3600" dirty="0" smtClean="0"/>
+            <a:endParaRPr lang="en-US" altLang="zh-CN" sz="3600" b="0" dirty="0"/>
+          </a:p>
+          <a:p>
+            <a:endParaRPr lang="en-US" altLang="zh-CN" sz="3600" b="0" dirty="0" smtClean="0"/>
+          </a:p>
+          <a:p>
+            <a:r>
+              <a:rPr lang="en-US" altLang="zh-CN" sz="3600" b="0" dirty="0" smtClean="0"/>
               <a:t>6. </a:t>
             </a:r>
             <a:r>
-              <a:rPr lang="zh-CN" altLang="en-US" sz="3600" dirty="0" smtClean="0"/>
+              <a:rPr lang="zh-CN" altLang="en-US" sz="3600" b="0" dirty="0" smtClean="0"/>
               <a:t>开发</a:t>
             </a:r>
             <a:r>
-              <a:rPr lang="zh-CN" altLang="en-US" sz="3600" dirty="0"/>
+              <a:rPr lang="zh-CN" altLang="en-US" sz="3600" b="0" dirty="0"/>
               <a:t>大型项目对代码库很小的改进对整个项目影响可能很严重</a:t>
             </a:r>
             <a:r>
-              <a:rPr lang="en-US" altLang="zh-CN" sz="3600" dirty="0"/>
+              <a:rPr lang="en-US" altLang="zh-CN" sz="3600" b="0" dirty="0"/>
               <a:t>,</a:t>
             </a:r>
             <a:r>
-              <a:rPr lang="zh-CN" altLang="en-US" sz="3600" dirty="0"/>
+              <a:rPr lang="zh-CN" altLang="en-US" sz="3600" b="0" dirty="0"/>
               <a:t>使用</a:t>
             </a:r>
             <a:r>
-              <a:rPr lang="en-US" altLang="zh-CN" sz="3600" dirty="0" err="1"/>
+              <a:rPr lang="en-US" altLang="zh-CN" sz="3600" b="0" dirty="0" err="1"/>
               <a:t>TypeScript</a:t>
             </a:r>
             <a:r>
-              <a:rPr lang="zh-CN" altLang="en-US" sz="3600" dirty="0"/>
+              <a:rPr lang="zh-CN" altLang="en-US" sz="3600" b="0" dirty="0"/>
               <a:t>重构变得更加</a:t>
             </a:r>
             <a:r>
-              <a:rPr lang="zh-CN" altLang="en-US" sz="3600" dirty="0" smtClean="0"/>
+              <a:rPr lang="zh-CN" altLang="en-US" sz="3600" b="0" dirty="0" smtClean="0"/>
               <a:t>容易</a:t>
             </a:r>
-            <a:endParaRPr lang="en-US" altLang="zh-CN" sz="3600" dirty="0" smtClean="0"/>
-          </a:p>
-          <a:p>
-            <a:endParaRPr lang="en-US" altLang="zh-CN" sz="3600" dirty="0" smtClean="0"/>
-          </a:p>
-          <a:p>
-            <a:r>
-              <a:rPr lang="en-US" altLang="zh-CN" sz="3600" dirty="0" smtClean="0"/>
+            <a:endParaRPr lang="en-US" altLang="zh-CN" sz="3600" b="0" dirty="0" smtClean="0"/>
+          </a:p>
+          <a:p>
+            <a:endParaRPr lang="en-US" altLang="zh-CN" sz="3600" b="0" dirty="0" smtClean="0"/>
+          </a:p>
+          <a:p>
+            <a:r>
+              <a:rPr lang="en-US" altLang="zh-CN" sz="3600" b="0" dirty="0" smtClean="0"/>
               <a:t>7. </a:t>
             </a:r>
             <a:r>
-              <a:rPr lang="zh-CN" altLang="en-US" sz="3600" dirty="0" smtClean="0"/>
+              <a:rPr lang="zh-CN" altLang="en-US" sz="3600" b="0" dirty="0" smtClean="0"/>
               <a:t>干净</a:t>
             </a:r>
             <a:r>
-              <a:rPr lang="zh-CN" altLang="en-US" sz="3600" dirty="0"/>
+              <a:rPr lang="zh-CN" altLang="en-US" sz="3600" b="0" dirty="0"/>
               <a:t>的</a:t>
             </a:r>
             <a:r>
-              <a:rPr lang="en-US" altLang="zh-CN" sz="3600" dirty="0"/>
+              <a:rPr lang="en-US" altLang="zh-CN" sz="3600" b="0" dirty="0"/>
               <a:t>ES6</a:t>
             </a:r>
             <a:r>
-              <a:rPr lang="zh-CN" altLang="en-US" sz="3600" dirty="0"/>
+              <a:rPr lang="zh-CN" altLang="en-US" sz="3600" b="0" dirty="0"/>
               <a:t>代码</a:t>
             </a:r>
             <a:r>
-              <a:rPr lang="en-US" altLang="zh-CN" sz="3600" dirty="0"/>
+              <a:rPr lang="en-US" altLang="zh-CN" sz="3600" b="0" dirty="0"/>
               <a:t>,</a:t>
             </a:r>
             <a:r>
-              <a:rPr lang="zh-CN" altLang="en-US" sz="3600" dirty="0"/>
+              <a:rPr lang="zh-CN" altLang="en-US" sz="3600" b="0" dirty="0"/>
               <a:t>自动完成和动态输入有助于提高开发人员的工作效率</a:t>
             </a:r>
           </a:p>
@@ -7635,7 +7629,7 @@
           </a:ln>
           <a:extLst>
             <a:ext uri="{C572A759-6A51-4108-AA02-DFA0A04FC94B}">
-              <ma14:wrappingTextBoxFlag xmlns:ma14="http://schemas.microsoft.com/office/mac/drawingml/2011/main" xmlns:a14="http://schemas.microsoft.com/office/drawing/2010/main" xmlns:m="http://schemas.openxmlformats.org/officeDocument/2006/math" xmlns="" val="1"/>
+              <ma14:wrappingTextBoxFlag xmlns="" xmlns:m="http://schemas.openxmlformats.org/officeDocument/2006/math" xmlns:a14="http://schemas.microsoft.com/office/drawing/2010/main" xmlns:ma14="http://schemas.microsoft.com/office/mac/drawingml/2011/main" val="1"/>
             </a:ext>
           </a:extLst>
         </p:spPr>
@@ -7719,33 +7713,33 @@
           <a:lstStyle/>
           <a:p>
             <a:r>
-              <a:rPr lang="zh-CN" altLang="en-US" sz="3600" dirty="0"/>
+              <a:rPr lang="zh-CN" altLang="en-US" sz="3600" b="0" dirty="0"/>
               <a:t>安装（使用</a:t>
             </a:r>
             <a:r>
-              <a:rPr lang="en-US" altLang="zh-CN" sz="3600" dirty="0" err="1"/>
+              <a:rPr lang="en-US" altLang="zh-CN" sz="3600" b="0" dirty="0" err="1"/>
               <a:t>npm</a:t>
             </a:r>
             <a:r>
-              <a:rPr lang="zh-CN" altLang="en-US" sz="3600" dirty="0"/>
+              <a:rPr lang="zh-CN" altLang="en-US" sz="3600" b="0" dirty="0"/>
               <a:t>或</a:t>
             </a:r>
             <a:r>
-              <a:rPr lang="en-US" altLang="zh-CN" sz="3600" dirty="0"/>
+              <a:rPr lang="en-US" altLang="zh-CN" sz="3600" b="0" dirty="0"/>
               <a:t>yarn</a:t>
             </a:r>
             <a:r>
-              <a:rPr lang="zh-CN" altLang="en-US" sz="3600" dirty="0"/>
+              <a:rPr lang="zh-CN" altLang="en-US" sz="3600" b="0" dirty="0"/>
               <a:t>都可以安装</a:t>
             </a:r>
             <a:r>
-              <a:rPr lang="zh-CN" altLang="en-US" sz="3600" dirty="0" smtClean="0"/>
+              <a:rPr lang="zh-CN" altLang="en-US" sz="3600" b="0" dirty="0" smtClean="0"/>
               <a:t>）</a:t>
             </a:r>
-            <a:endParaRPr lang="zh-CN" altLang="en-US" dirty="0"/>
-          </a:p>
-          <a:p>
-            <a:endParaRPr lang="zh-CN" altLang="en-US" dirty="0"/>
+            <a:endParaRPr lang="zh-CN" altLang="en-US" b="0" dirty="0"/>
+          </a:p>
+          <a:p>
+            <a:endParaRPr lang="zh-CN" altLang="en-US" b="0" dirty="0"/>
           </a:p>
         </p:txBody>
       </p:sp>
@@ -7820,63 +7814,63 @@
           <a:lstStyle/>
           <a:p>
             <a:r>
-              <a:rPr lang="zh-CN" altLang="en-US" sz="3600" dirty="0"/>
+              <a:rPr lang="zh-CN" altLang="en-US" sz="3600" b="0" dirty="0"/>
               <a:t>使用（使用</a:t>
             </a:r>
             <a:r>
-              <a:rPr lang="en-US" altLang="zh-CN" sz="3600" dirty="0" err="1"/>
+              <a:rPr lang="en-US" altLang="zh-CN" sz="3600" b="0" dirty="0" err="1"/>
               <a:t>TypeScript</a:t>
             </a:r>
             <a:r>
-              <a:rPr lang="zh-CN" altLang="en-US" sz="3600" dirty="0"/>
+              <a:rPr lang="zh-CN" altLang="en-US" sz="3600" b="0" dirty="0"/>
               <a:t>编写得文件使用</a:t>
             </a:r>
             <a:r>
-              <a:rPr lang="en-US" altLang="zh-CN" sz="3600" dirty="0"/>
+              <a:rPr lang="en-US" altLang="zh-CN" sz="3600" b="0" dirty="0"/>
               <a:t>.</a:t>
             </a:r>
             <a:r>
-              <a:rPr lang="en-US" altLang="zh-CN" sz="3600" dirty="0" err="1"/>
+              <a:rPr lang="en-US" altLang="zh-CN" sz="3600" b="0" dirty="0" err="1"/>
               <a:t>ts</a:t>
             </a:r>
             <a:r>
-              <a:rPr lang="zh-CN" altLang="en-US" sz="3600" dirty="0"/>
+              <a:rPr lang="zh-CN" altLang="en-US" sz="3600" b="0" dirty="0"/>
               <a:t>后缀，用</a:t>
             </a:r>
             <a:r>
-              <a:rPr lang="en-US" altLang="zh-CN" sz="3600" dirty="0" err="1"/>
+              <a:rPr lang="en-US" altLang="zh-CN" sz="3600" b="0" dirty="0" err="1"/>
               <a:t>TypeScript</a:t>
             </a:r>
             <a:r>
-              <a:rPr lang="zh-CN" altLang="en-US" sz="3600" dirty="0"/>
+              <a:rPr lang="zh-CN" altLang="en-US" sz="3600" b="0" dirty="0"/>
               <a:t>编写</a:t>
             </a:r>
             <a:r>
-              <a:rPr lang="en-US" altLang="zh-CN" sz="3600" dirty="0"/>
+              <a:rPr lang="en-US" altLang="zh-CN" sz="3600" b="0" dirty="0"/>
               <a:t>React</a:t>
             </a:r>
             <a:r>
-              <a:rPr lang="zh-CN" altLang="en-US" sz="3600" dirty="0"/>
+              <a:rPr lang="zh-CN" altLang="en-US" sz="3600" b="0" dirty="0"/>
               <a:t>时以</a:t>
             </a:r>
             <a:r>
-              <a:rPr lang="en-US" altLang="zh-CN" sz="3600" dirty="0"/>
+              <a:rPr lang="en-US" altLang="zh-CN" sz="3600" b="0" dirty="0"/>
               <a:t>.</a:t>
             </a:r>
             <a:r>
-              <a:rPr lang="en-US" altLang="zh-CN" sz="3600" dirty="0" err="1"/>
+              <a:rPr lang="en-US" altLang="zh-CN" sz="3600" b="0" dirty="0" err="1"/>
               <a:t>tsx</a:t>
             </a:r>
             <a:r>
-              <a:rPr lang="zh-CN" altLang="en-US" sz="3600" dirty="0"/>
+              <a:rPr lang="zh-CN" altLang="en-US" sz="3600" b="0" dirty="0"/>
               <a:t>后缀</a:t>
             </a:r>
             <a:r>
-              <a:rPr lang="zh-CN" altLang="en-US" sz="3600" dirty="0" smtClean="0"/>
+              <a:rPr lang="zh-CN" altLang="en-US" sz="3600" b="0" dirty="0" smtClean="0"/>
               <a:t>） </a:t>
             </a:r>
             <a:r>
-              <a:rPr lang="zh-CN" altLang="en-US" sz="3600" dirty="0" smtClean="0">
+              <a:rPr lang="zh-CN" altLang="en-US" sz="3600" b="0" dirty="0" smtClean="0">
                 <a:solidFill>
                   <a:schemeClr val="bg1"/>
                 </a:solidFill>
@@ -7884,14 +7878,14 @@
               <a:t>例：</a:t>
             </a:r>
             <a:r>
-              <a:rPr lang="en-US" altLang="zh-CN" sz="3600" dirty="0" err="1" smtClean="0">
+              <a:rPr lang="en-US" altLang="zh-CN" sz="3600" b="0" dirty="0" err="1" smtClean="0">
                 <a:solidFill>
                   <a:schemeClr val="bg1"/>
                 </a:solidFill>
               </a:rPr>
               <a:t>hello.ts</a:t>
             </a:r>
-            <a:endParaRPr lang="en-US" altLang="zh-CN" sz="3600" dirty="0" smtClean="0">
+            <a:endParaRPr lang="en-US" altLang="zh-CN" sz="3600" b="0" dirty="0" smtClean="0">
               <a:solidFill>
                 <a:schemeClr val="bg1"/>
               </a:solidFill>
@@ -7904,7 +7898,7 @@
               </a:lnSpc>
             </a:pPr>
             <a:r>
-              <a:rPr lang="zh-CN" altLang="en-US" sz="3600" dirty="0" smtClean="0">
+              <a:rPr lang="zh-CN" altLang="en-US" sz="3600" b="0" dirty="0" smtClean="0">
                 <a:solidFill>
                   <a:schemeClr val="bg1"/>
                 </a:solidFill>
@@ -7912,7 +7906,7 @@
               <a:t>编译参数</a:t>
             </a:r>
             <a:r>
-              <a:rPr lang="en-US" altLang="zh-CN" sz="3600" dirty="0" smtClean="0">
+              <a:rPr lang="en-US" altLang="zh-CN" sz="3600" b="0" dirty="0" smtClean="0">
                 <a:solidFill>
                   <a:schemeClr val="bg1"/>
                 </a:solidFill>
@@ -7920,14 +7914,14 @@
               <a:t>.</a:t>
             </a:r>
             <a:r>
-              <a:rPr lang="en-US" altLang="zh-CN" sz="3600" dirty="0" err="1" smtClean="0">
+              <a:rPr lang="en-US" altLang="zh-CN" sz="3600" b="0" dirty="0" err="1" smtClean="0">
                 <a:solidFill>
                   <a:schemeClr val="bg1"/>
                 </a:solidFill>
               </a:rPr>
               <a:t>png</a:t>
             </a:r>
-            <a:endParaRPr lang="en-US" altLang="zh-CN" sz="3600" dirty="0" smtClean="0">
+            <a:endParaRPr lang="en-US" altLang="zh-CN" sz="3600" b="0" dirty="0" smtClean="0">
               <a:solidFill>
                 <a:schemeClr val="bg1"/>
               </a:solidFill>
@@ -8006,14 +8000,14 @@
           <a:lstStyle/>
           <a:p>
             <a:r>
-              <a:rPr lang="zh-CN" altLang="en-US" sz="3600" dirty="0"/>
+              <a:rPr lang="zh-CN" altLang="en-US" sz="3600" b="0" dirty="0"/>
               <a:t>编辑器</a:t>
             </a:r>
             <a:r>
-              <a:rPr lang="zh-CN" altLang="en-US" sz="3600" dirty="0" smtClean="0"/>
+              <a:rPr lang="zh-CN" altLang="en-US" sz="3600" b="0" dirty="0" smtClean="0"/>
               <a:t>支持</a:t>
             </a:r>
-            <a:endParaRPr lang="zh-CN" altLang="en-US" sz="3600" dirty="0"/>
+            <a:endParaRPr lang="zh-CN" altLang="en-US" sz="3600" b="0" dirty="0"/>
           </a:p>
         </p:txBody>
       </p:sp>
@@ -8058,40 +8052,40 @@
           <a:lstStyle/>
           <a:p>
             <a:r>
-              <a:rPr lang="zh-CN" altLang="en-US" sz="3600" dirty="0"/>
+              <a:rPr lang="zh-CN" altLang="en-US" sz="3600" b="0" dirty="0"/>
               <a:t>所有的主流都支持</a:t>
             </a:r>
             <a:r>
-              <a:rPr lang="en-US" altLang="zh-CN" sz="3600" dirty="0" err="1"/>
+              <a:rPr lang="en-US" altLang="zh-CN" sz="3600" b="0" dirty="0" err="1"/>
               <a:t>TypeScript</a:t>
             </a:r>
             <a:r>
-              <a:rPr lang="zh-CN" altLang="en-US" sz="3600" dirty="0"/>
+              <a:rPr lang="zh-CN" altLang="en-US" sz="3600" b="0" dirty="0"/>
               <a:t>，推荐使用</a:t>
             </a:r>
             <a:r>
-              <a:rPr lang="en-US" altLang="zh-CN" sz="3600" dirty="0">
+              <a:rPr lang="en-US" altLang="zh-CN" sz="3600" b="0" dirty="0">
                 <a:hlinkClick r:id="rId4"/>
               </a:rPr>
               <a:t>Visual Studio Code</a:t>
             </a:r>
             <a:r>
-              <a:rPr lang="zh-CN" altLang="en-US" sz="3600" dirty="0"/>
+              <a:rPr lang="zh-CN" altLang="en-US" sz="3600" b="0" dirty="0"/>
               <a:t>内置了</a:t>
             </a:r>
             <a:r>
-              <a:rPr lang="en-US" altLang="zh-CN" sz="3600" dirty="0" err="1"/>
+              <a:rPr lang="en-US" altLang="zh-CN" sz="3600" b="0" dirty="0" err="1"/>
               <a:t>TypeScript</a:t>
             </a:r>
             <a:r>
-              <a:rPr lang="zh-CN" altLang="en-US" sz="3600" dirty="0"/>
+              <a:rPr lang="zh-CN" altLang="en-US" sz="3600" b="0" dirty="0"/>
               <a:t>的</a:t>
             </a:r>
             <a:r>
-              <a:rPr lang="zh-CN" altLang="en-US" sz="3600" dirty="0" smtClean="0"/>
+              <a:rPr lang="zh-CN" altLang="en-US" sz="3600" b="0" dirty="0" smtClean="0"/>
               <a:t>支持</a:t>
             </a:r>
-            <a:endParaRPr lang="zh-CN" altLang="en-US" sz="3600" dirty="0"/>
+            <a:endParaRPr lang="zh-CN" altLang="en-US" sz="3600" b="0" dirty="0"/>
           </a:p>
         </p:txBody>
       </p:sp>
@@ -8152,7 +8146,7 @@
           </a:ln>
           <a:extLst>
             <a:ext uri="{C572A759-6A51-4108-AA02-DFA0A04FC94B}">
-              <ma14:wrappingTextBoxFlag xmlns:ma14="http://schemas.microsoft.com/office/mac/drawingml/2011/main" xmlns:a14="http://schemas.microsoft.com/office/drawing/2010/main" xmlns:m="http://schemas.openxmlformats.org/officeDocument/2006/math" xmlns="" val="1"/>
+              <ma14:wrappingTextBoxFlag xmlns="" xmlns:m="http://schemas.openxmlformats.org/officeDocument/2006/math" xmlns:a14="http://schemas.microsoft.com/office/drawing/2010/main" xmlns:ma14="http://schemas.microsoft.com/office/mac/drawingml/2011/main" val="1"/>
             </a:ext>
           </a:extLst>
         </p:spPr>
@@ -8242,7 +8236,7 @@
           </a:ln>
           <a:extLst>
             <a:ext uri="{C572A759-6A51-4108-AA02-DFA0A04FC94B}">
-              <ma14:wrappingTextBoxFlag xmlns:ma14="http://schemas.microsoft.com/office/mac/drawingml/2011/main" xmlns:a14="http://schemas.microsoft.com/office/drawing/2010/main" xmlns:m="http://schemas.openxmlformats.org/officeDocument/2006/math" xmlns="" val="1"/>
+              <ma14:wrappingTextBoxFlag xmlns="" xmlns:m="http://schemas.openxmlformats.org/officeDocument/2006/math" xmlns:a14="http://schemas.microsoft.com/office/drawing/2010/main" xmlns:ma14="http://schemas.microsoft.com/office/mac/drawingml/2011/main" val="1"/>
             </a:ext>
           </a:extLst>
         </p:spPr>
@@ -8285,7 +8279,7 @@
           </a:effectLst>
           <a:extLst>
             <a:ext uri="{C572A759-6A51-4108-AA02-DFA0A04FC94B}">
-              <ma14:wrappingTextBoxFlag xmlns:ma14="http://schemas.microsoft.com/office/mac/drawingml/2011/main" xmlns:a14="http://schemas.microsoft.com/office/drawing/2010/main" xmlns:m="http://schemas.openxmlformats.org/officeDocument/2006/math" xmlns="" val="1"/>
+              <ma14:wrappingTextBoxFlag xmlns="" xmlns:m="http://schemas.openxmlformats.org/officeDocument/2006/math" xmlns:a14="http://schemas.microsoft.com/office/drawing/2010/main" xmlns:ma14="http://schemas.microsoft.com/office/mac/drawingml/2011/main" val="1"/>
             </a:ext>
           </a:extLst>
         </p:spPr>
@@ -8296,7 +8290,7 @@
           <a:lstStyle/>
           <a:p>
             <a:r>
-              <a:rPr lang="zh-CN" altLang="en-US" dirty="0"/>
+              <a:rPr lang="zh-CN" altLang="en-US" b="0" dirty="0"/>
               <a:t>基础类型 </a:t>
             </a:r>
           </a:p>
@@ -8370,7 +8364,7 @@
           </a:ln>
           <a:extLst>
             <a:ext uri="{C572A759-6A51-4108-AA02-DFA0A04FC94B}">
-              <ma14:wrappingTextBoxFlag xmlns:ma14="http://schemas.microsoft.com/office/mac/drawingml/2011/main" xmlns:a14="http://schemas.microsoft.com/office/drawing/2010/main" xmlns:m="http://schemas.openxmlformats.org/officeDocument/2006/math" xmlns="" val="1"/>
+              <ma14:wrappingTextBoxFlag xmlns="" xmlns:m="http://schemas.openxmlformats.org/officeDocument/2006/math" xmlns:a14="http://schemas.microsoft.com/office/drawing/2010/main" xmlns:ma14="http://schemas.microsoft.com/office/mac/drawingml/2011/main" val="1"/>
             </a:ext>
           </a:extLst>
         </p:spPr>
@@ -8413,7 +8407,7 @@
           </a:effectLst>
           <a:extLst>
             <a:ext uri="{C572A759-6A51-4108-AA02-DFA0A04FC94B}">
-              <ma14:wrappingTextBoxFlag xmlns:ma14="http://schemas.microsoft.com/office/mac/drawingml/2011/main" xmlns:a14="http://schemas.microsoft.com/office/drawing/2010/main" xmlns:m="http://schemas.openxmlformats.org/officeDocument/2006/math" xmlns="" val="1"/>
+              <ma14:wrappingTextBoxFlag xmlns="" xmlns:m="http://schemas.openxmlformats.org/officeDocument/2006/math" xmlns:a14="http://schemas.microsoft.com/office/drawing/2010/main" xmlns:ma14="http://schemas.microsoft.com/office/mac/drawingml/2011/main" val="1"/>
             </a:ext>
           </a:extLst>
         </p:spPr>
@@ -8424,18 +8418,18 @@
           <a:lstStyle/>
           <a:p>
             <a:r>
-              <a:rPr lang="zh-CN" altLang="en-US" dirty="0"/>
+              <a:rPr lang="zh-CN" altLang="en-US" b="0" dirty="0"/>
               <a:t>对象类型</a:t>
             </a:r>
             <a:r>
-              <a:rPr lang="en-US" altLang="zh-CN" dirty="0"/>
+              <a:rPr lang="en-US" altLang="zh-CN" b="0" dirty="0"/>
               <a:t>-</a:t>
             </a:r>
             <a:r>
-              <a:rPr lang="zh-CN" altLang="en-US" dirty="0" smtClean="0"/>
+              <a:rPr lang="zh-CN" altLang="en-US" b="0" dirty="0" smtClean="0"/>
               <a:t>接口</a:t>
             </a:r>
-            <a:endParaRPr lang="zh-CN" altLang="en-US" dirty="0"/>
+            <a:endParaRPr lang="zh-CN" altLang="en-US" b="0" dirty="0"/>
           </a:p>
         </p:txBody>
       </p:sp>
@@ -8507,7 +8501,7 @@
           </a:ln>
           <a:extLst>
             <a:ext uri="{C572A759-6A51-4108-AA02-DFA0A04FC94B}">
-              <ma14:wrappingTextBoxFlag xmlns:ma14="http://schemas.microsoft.com/office/mac/drawingml/2011/main" xmlns:a14="http://schemas.microsoft.com/office/drawing/2010/main" xmlns:m="http://schemas.openxmlformats.org/officeDocument/2006/math" xmlns="" val="1"/>
+              <ma14:wrappingTextBoxFlag xmlns="" xmlns:m="http://schemas.openxmlformats.org/officeDocument/2006/math" xmlns:a14="http://schemas.microsoft.com/office/drawing/2010/main" xmlns:ma14="http://schemas.microsoft.com/office/mac/drawingml/2011/main" val="1"/>
             </a:ext>
           </a:extLst>
         </p:spPr>
@@ -8550,7 +8544,7 @@
           </a:effectLst>
           <a:extLst>
             <a:ext uri="{C572A759-6A51-4108-AA02-DFA0A04FC94B}">
-              <ma14:wrappingTextBoxFlag xmlns:ma14="http://schemas.microsoft.com/office/mac/drawingml/2011/main" xmlns:a14="http://schemas.microsoft.com/office/drawing/2010/main" xmlns:m="http://schemas.openxmlformats.org/officeDocument/2006/math" xmlns="" val="1"/>
+              <ma14:wrappingTextBoxFlag xmlns="" xmlns:m="http://schemas.openxmlformats.org/officeDocument/2006/math" xmlns:a14="http://schemas.microsoft.com/office/drawing/2010/main" xmlns:ma14="http://schemas.microsoft.com/office/mac/drawingml/2011/main" val="1"/>
             </a:ext>
           </a:extLst>
         </p:spPr>
@@ -8561,14 +8555,14 @@
           <a:lstStyle/>
           <a:p>
             <a:r>
-              <a:rPr lang="zh-CN" altLang="en-US" dirty="0"/>
+              <a:rPr lang="zh-CN" altLang="en-US" b="0" dirty="0"/>
               <a:t>数组</a:t>
             </a:r>
             <a:r>
-              <a:rPr lang="zh-CN" altLang="en-US" dirty="0" smtClean="0"/>
+              <a:rPr lang="zh-CN" altLang="en-US" b="0" dirty="0" smtClean="0"/>
               <a:t>类型</a:t>
             </a:r>
-            <a:endParaRPr lang="zh-CN" altLang="en-US" dirty="0"/>
+            <a:endParaRPr lang="zh-CN" altLang="en-US" b="0" dirty="0"/>
           </a:p>
         </p:txBody>
       </p:sp>
@@ -8640,7 +8634,7 @@
           </a:ln>
           <a:extLst>
             <a:ext uri="{C572A759-6A51-4108-AA02-DFA0A04FC94B}">
-              <ma14:wrappingTextBoxFlag xmlns:ma14="http://schemas.microsoft.com/office/mac/drawingml/2011/main" xmlns:a14="http://schemas.microsoft.com/office/drawing/2010/main" xmlns:m="http://schemas.openxmlformats.org/officeDocument/2006/math" xmlns="" val="1"/>
+              <ma14:wrappingTextBoxFlag xmlns="" xmlns:m="http://schemas.openxmlformats.org/officeDocument/2006/math" xmlns:a14="http://schemas.microsoft.com/office/drawing/2010/main" xmlns:ma14="http://schemas.microsoft.com/office/mac/drawingml/2011/main" val="1"/>
             </a:ext>
           </a:extLst>
         </p:spPr>
@@ -8683,7 +8677,7 @@
           </a:effectLst>
           <a:extLst>
             <a:ext uri="{C572A759-6A51-4108-AA02-DFA0A04FC94B}">
-              <ma14:wrappingTextBoxFlag xmlns:ma14="http://schemas.microsoft.com/office/mac/drawingml/2011/main" xmlns:a14="http://schemas.microsoft.com/office/drawing/2010/main" xmlns:m="http://schemas.openxmlformats.org/officeDocument/2006/math" xmlns="" val="1"/>
+              <ma14:wrappingTextBoxFlag xmlns="" xmlns:m="http://schemas.openxmlformats.org/officeDocument/2006/math" xmlns:a14="http://schemas.microsoft.com/office/drawing/2010/main" xmlns:ma14="http://schemas.microsoft.com/office/mac/drawingml/2011/main" val="1"/>
             </a:ext>
           </a:extLst>
         </p:spPr>
@@ -8694,10 +8688,10 @@
           <a:lstStyle/>
           <a:p>
             <a:r>
-              <a:rPr lang="zh-CN" altLang="en-US" dirty="0" smtClean="0"/>
+              <a:rPr lang="zh-CN" altLang="en-US" b="0" dirty="0" smtClean="0"/>
               <a:t>函数类型</a:t>
             </a:r>
-            <a:endParaRPr lang="zh-CN" altLang="en-US" dirty="0"/>
+            <a:endParaRPr lang="zh-CN" altLang="en-US" b="0" dirty="0"/>
           </a:p>
         </p:txBody>
       </p:sp>
@@ -8805,7 +8799,7 @@
           </a:effectLst>
           <a:extLst>
             <a:ext uri="{C572A759-6A51-4108-AA02-DFA0A04FC94B}">
-              <ma14:wrappingTextBoxFlag xmlns:ma14="http://schemas.microsoft.com/office/mac/drawingml/2011/main" xmlns:a14="http://schemas.microsoft.com/office/drawing/2010/main" xmlns:m="http://schemas.openxmlformats.org/officeDocument/2006/math" xmlns="" val="1"/>
+              <ma14:wrappingTextBoxFlag xmlns="" xmlns:m="http://schemas.openxmlformats.org/officeDocument/2006/math" xmlns:a14="http://schemas.microsoft.com/office/drawing/2010/main" xmlns:ma14="http://schemas.microsoft.com/office/mac/drawingml/2011/main" val="1"/>
             </a:ext>
           </a:extLst>
         </p:spPr>
@@ -8816,10 +8810,10 @@
           <a:lstStyle/>
           <a:p>
             <a:r>
-              <a:rPr lang="zh-CN" altLang="en-US" dirty="0" smtClean="0"/>
+              <a:rPr lang="zh-CN" altLang="en-US" b="0" dirty="0" smtClean="0"/>
               <a:t>类</a:t>
             </a:r>
-            <a:endParaRPr lang="zh-CN" altLang="en-US" dirty="0"/>
+            <a:endParaRPr lang="zh-CN" altLang="en-US" b="0" dirty="0"/>
           </a:p>
         </p:txBody>
       </p:sp>
@@ -9788,14 +9782,14 @@
           <a:lstStyle/>
           <a:p>
             <a:r>
-              <a:rPr lang="zh-CN" altLang="en-US" dirty="0"/>
+              <a:rPr lang="zh-CN" altLang="en-US" b="0" dirty="0"/>
               <a:t>泛</a:t>
             </a:r>
             <a:r>
-              <a:rPr lang="zh-CN" altLang="en-US" dirty="0" smtClean="0"/>
+              <a:rPr lang="zh-CN" altLang="en-US" b="0" dirty="0" smtClean="0"/>
               <a:t>型</a:t>
             </a:r>
-            <a:endParaRPr lang="zh-CN" altLang="en-US" dirty="0"/>
+            <a:endParaRPr lang="zh-CN" altLang="en-US" b="0" dirty="0"/>
           </a:p>
         </p:txBody>
       </p:sp>
@@ -9840,14 +9834,14 @@
           <a:lstStyle/>
           <a:p>
             <a:r>
-              <a:rPr lang="zh-CN" altLang="en-US" dirty="0"/>
+              <a:rPr lang="zh-CN" altLang="en-US" b="0" dirty="0"/>
               <a:t>声明</a:t>
             </a:r>
             <a:r>
-              <a:rPr lang="zh-CN" altLang="en-US" dirty="0" smtClean="0"/>
+              <a:rPr lang="zh-CN" altLang="en-US" b="0" dirty="0" smtClean="0"/>
               <a:t>合并</a:t>
             </a:r>
-            <a:endParaRPr lang="zh-CN" altLang="en-US" dirty="0"/>
+            <a:endParaRPr lang="zh-CN" altLang="en-US" b="0" dirty="0"/>
           </a:p>
         </p:txBody>
       </p:sp>
@@ -9892,10 +9886,10 @@
           <a:lstStyle/>
           <a:p>
             <a:r>
-              <a:rPr lang="zh-CN" altLang="en-US" dirty="0" smtClean="0"/>
+              <a:rPr lang="zh-CN" altLang="en-US" b="0" dirty="0" smtClean="0"/>
               <a:t>声明文件</a:t>
             </a:r>
-            <a:endParaRPr lang="zh-CN" altLang="en-US" dirty="0"/>
+            <a:endParaRPr lang="zh-CN" altLang="en-US" b="0" dirty="0"/>
           </a:p>
         </p:txBody>
       </p:sp>
@@ -9940,15 +9934,15 @@
           <a:lstStyle/>
           <a:p>
             <a:r>
-              <a:rPr lang="zh-CN" altLang="en-US" dirty="0"/>
+              <a:rPr lang="zh-CN" altLang="en-US" b="0" dirty="0"/>
               <a:t>类型别名</a:t>
             </a:r>
             <a:r>
-              <a:rPr lang="en-US" altLang="zh-CN" dirty="0"/>
+              <a:rPr lang="en-US" altLang="zh-CN" b="0" dirty="0"/>
               <a:t>/</a:t>
             </a:r>
             <a:r>
-              <a:rPr lang="zh-CN" altLang="en-US" dirty="0"/>
+              <a:rPr lang="zh-CN" altLang="en-US" b="0" dirty="0"/>
               <a:t>字符串字面量类型</a:t>
             </a:r>
           </a:p>
@@ -10027,18 +10021,18 @@
           <a:lstStyle/>
           <a:p>
             <a:r>
-              <a:rPr lang="en-US" altLang="zh-CN" dirty="0"/>
+              <a:rPr lang="en-US" altLang="zh-CN" b="0" dirty="0"/>
               <a:t>tsconfig.js</a:t>
             </a:r>
             <a:r>
-              <a:rPr lang="zh-CN" altLang="en-US" dirty="0"/>
+              <a:rPr lang="zh-CN" altLang="en-US" b="0" dirty="0"/>
               <a:t>文件的</a:t>
             </a:r>
             <a:r>
-              <a:rPr lang="zh-CN" altLang="en-US" dirty="0" smtClean="0"/>
+              <a:rPr lang="zh-CN" altLang="en-US" b="0" dirty="0" smtClean="0"/>
               <a:t>作用</a:t>
             </a:r>
-            <a:endParaRPr lang="zh-CN" altLang="en-US" dirty="0"/>
+            <a:endParaRPr lang="zh-CN" altLang="en-US" b="0" dirty="0"/>
           </a:p>
         </p:txBody>
       </p:sp>
@@ -10083,14 +10077,14 @@
           <a:lstStyle/>
           <a:p>
             <a:r>
-              <a:rPr lang="zh-CN" altLang="en-US" dirty="0"/>
+              <a:rPr lang="zh-CN" altLang="en-US" b="0" dirty="0"/>
               <a:t>项目中的</a:t>
             </a:r>
             <a:r>
-              <a:rPr lang="zh-CN" altLang="en-US" dirty="0" smtClean="0"/>
+              <a:rPr lang="zh-CN" altLang="en-US" b="0" dirty="0" smtClean="0"/>
               <a:t>使用</a:t>
             </a:r>
-            <a:endParaRPr lang="zh-CN" altLang="en-US" dirty="0"/>
+            <a:endParaRPr lang="zh-CN" altLang="en-US" b="0" dirty="0"/>
           </a:p>
         </p:txBody>
       </p:sp>
@@ -10175,7 +10169,7 @@
           </a:ln>
           <a:extLst>
             <a:ext uri="{C572A759-6A51-4108-AA02-DFA0A04FC94B}">
-              <ma14:wrappingTextBoxFlag xmlns:ma14="http://schemas.microsoft.com/office/mac/drawingml/2011/main" xmlns:a14="http://schemas.microsoft.com/office/drawing/2010/main" xmlns:m="http://schemas.openxmlformats.org/officeDocument/2006/math" xmlns="" val="1"/>
+              <ma14:wrappingTextBoxFlag xmlns="" xmlns:m="http://schemas.openxmlformats.org/officeDocument/2006/math" xmlns:a14="http://schemas.microsoft.com/office/drawing/2010/main" xmlns:ma14="http://schemas.microsoft.com/office/mac/drawingml/2011/main" val="1"/>
             </a:ext>
           </a:extLst>
         </p:spPr>
@@ -10218,7 +10212,7 @@
           </a:effectLst>
           <a:extLst>
             <a:ext uri="{C572A759-6A51-4108-AA02-DFA0A04FC94B}">
-              <ma14:wrappingTextBoxFlag xmlns:ma14="http://schemas.microsoft.com/office/mac/drawingml/2011/main" xmlns:a14="http://schemas.microsoft.com/office/drawing/2010/main" xmlns:m="http://schemas.openxmlformats.org/officeDocument/2006/math" xmlns="" val="1"/>
+              <ma14:wrappingTextBoxFlag xmlns="" xmlns:m="http://schemas.openxmlformats.org/officeDocument/2006/math" xmlns:a14="http://schemas.microsoft.com/office/drawing/2010/main" xmlns:ma14="http://schemas.microsoft.com/office/mac/drawingml/2011/main" val="1"/>
             </a:ext>
           </a:extLst>
         </p:spPr>
@@ -10315,18 +10309,18 @@
               <a:buAutoNum type="arabicPeriod"/>
             </a:pPr>
             <a:r>
-              <a:rPr lang="zh-CN" altLang="en-US" dirty="0" smtClean="0"/>
+              <a:rPr lang="zh-CN" altLang="en-US" b="0" dirty="0" smtClean="0"/>
               <a:t>布尔类型</a:t>
             </a:r>
             <a:r>
-              <a:rPr lang="zh-CN" altLang="en-US" dirty="0"/>
+              <a:rPr lang="zh-CN" altLang="en-US" b="0" dirty="0"/>
               <a:t>，数值类型，字符串</a:t>
             </a:r>
             <a:r>
-              <a:rPr lang="zh-CN" altLang="en-US" dirty="0" smtClean="0"/>
+              <a:rPr lang="zh-CN" altLang="en-US" b="0" dirty="0" smtClean="0"/>
               <a:t>类型</a:t>
             </a:r>
-            <a:endParaRPr lang="en-US" altLang="zh-CN" dirty="0"/>
+            <a:endParaRPr lang="en-US" altLang="zh-CN" b="0" dirty="0"/>
           </a:p>
           <a:p>
             <a:pPr marL="914400" indent="-914400">
@@ -10337,26 +10331,26 @@
               <a:buAutoNum type="arabicPeriod"/>
             </a:pPr>
             <a:r>
-              <a:rPr lang="en-US" altLang="zh-CN" dirty="0"/>
+              <a:rPr lang="en-US" altLang="zh-CN" b="0" dirty="0"/>
               <a:t>null</a:t>
             </a:r>
             <a:r>
-              <a:rPr lang="zh-CN" altLang="en-US" dirty="0"/>
+              <a:rPr lang="zh-CN" altLang="en-US" b="0" dirty="0"/>
               <a:t>、</a:t>
             </a:r>
             <a:r>
-              <a:rPr lang="en-US" altLang="zh-CN" dirty="0"/>
+              <a:rPr lang="en-US" altLang="zh-CN" b="0" dirty="0"/>
               <a:t>undefined</a:t>
             </a:r>
             <a:r>
-              <a:rPr lang="zh-CN" altLang="en-US" dirty="0"/>
+              <a:rPr lang="zh-CN" altLang="en-US" b="0" dirty="0"/>
               <a:t>任何类型的子</a:t>
             </a:r>
             <a:r>
-              <a:rPr lang="zh-CN" altLang="en-US" dirty="0" smtClean="0"/>
+              <a:rPr lang="zh-CN" altLang="en-US" b="0" dirty="0" smtClean="0"/>
               <a:t>类</a:t>
             </a:r>
-            <a:endParaRPr lang="zh-CN" altLang="en-US" dirty="0"/>
+            <a:endParaRPr lang="zh-CN" altLang="en-US" b="0" dirty="0"/>
           </a:p>
           <a:p>
             <a:pPr marL="914400" indent="-914400">
@@ -10367,11 +10361,11 @@
               <a:buAutoNum type="arabicPeriod"/>
             </a:pPr>
             <a:r>
-              <a:rPr lang="en-US" altLang="zh-CN" dirty="0"/>
+              <a:rPr lang="en-US" altLang="zh-CN" b="0" dirty="0"/>
               <a:t>never </a:t>
             </a:r>
             <a:r>
-              <a:rPr lang="zh-CN" altLang="en-US" dirty="0"/>
+              <a:rPr lang="zh-CN" altLang="en-US" b="0" dirty="0"/>
               <a:t>抛出异常或者无法执行到的终点</a:t>
             </a:r>
           </a:p>
@@ -10384,11 +10378,11 @@
               <a:buAutoNum type="arabicPeriod"/>
             </a:pPr>
             <a:r>
-              <a:rPr lang="en-US" altLang="zh-CN" dirty="0"/>
+              <a:rPr lang="en-US" altLang="zh-CN" b="0" dirty="0"/>
               <a:t>any </a:t>
             </a:r>
             <a:r>
-              <a:rPr lang="zh-CN" altLang="en-US" dirty="0"/>
+              <a:rPr lang="zh-CN" altLang="en-US" b="0" dirty="0"/>
               <a:t>任意类型</a:t>
             </a:r>
           </a:p>
@@ -10401,7 +10395,7 @@
               <a:buAutoNum type="arabicPeriod"/>
             </a:pPr>
             <a:r>
-              <a:rPr lang="zh-CN" altLang="en-US" dirty="0"/>
+              <a:rPr lang="zh-CN" altLang="en-US" b="0" dirty="0"/>
               <a:t>联合类型</a:t>
             </a:r>
           </a:p>
@@ -10414,7 +10408,7 @@
               <a:buAutoNum type="arabicPeriod"/>
             </a:pPr>
             <a:r>
-              <a:rPr lang="zh-CN" altLang="en-US" dirty="0"/>
+              <a:rPr lang="zh-CN" altLang="en-US" b="0" dirty="0"/>
               <a:t>枚举类型</a:t>
             </a:r>
           </a:p>
@@ -10427,7 +10421,7 @@
               <a:buAutoNum type="arabicPeriod"/>
             </a:pPr>
             <a:r>
-              <a:rPr lang="zh-CN" altLang="en-US" dirty="0"/>
+              <a:rPr lang="zh-CN" altLang="en-US" b="0" dirty="0"/>
               <a:t>类型推断</a:t>
             </a:r>
           </a:p>
@@ -10440,14 +10434,14 @@
               <a:buAutoNum type="arabicPeriod"/>
             </a:pPr>
             <a:r>
-              <a:rPr lang="zh-CN" altLang="en-US" dirty="0"/>
+              <a:rPr lang="zh-CN" altLang="en-US" b="0" dirty="0"/>
               <a:t>类型</a:t>
             </a:r>
             <a:r>
-              <a:rPr lang="zh-CN" altLang="en-US" dirty="0" smtClean="0"/>
+              <a:rPr lang="zh-CN" altLang="en-US" b="0" dirty="0" smtClean="0"/>
               <a:t>断言</a:t>
             </a:r>
-            <a:endParaRPr lang="zh-CN" altLang="en-US" dirty="0"/>
+            <a:endParaRPr lang="zh-CN" altLang="en-US" b="0" dirty="0"/>
           </a:p>
         </p:txBody>
       </p:sp>
@@ -10532,7 +10526,7 @@
           </a:ln>
           <a:extLst>
             <a:ext uri="{C572A759-6A51-4108-AA02-DFA0A04FC94B}">
-              <ma14:wrappingTextBoxFlag xmlns:ma14="http://schemas.microsoft.com/office/mac/drawingml/2011/main" xmlns:a14="http://schemas.microsoft.com/office/drawing/2010/main" xmlns:m="http://schemas.openxmlformats.org/officeDocument/2006/math" xmlns="" val="1"/>
+              <ma14:wrappingTextBoxFlag xmlns="" xmlns:m="http://schemas.openxmlformats.org/officeDocument/2006/math" xmlns:a14="http://schemas.microsoft.com/office/drawing/2010/main" xmlns:ma14="http://schemas.microsoft.com/office/mac/drawingml/2011/main" val="1"/>
             </a:ext>
           </a:extLst>
         </p:spPr>
@@ -10580,7 +10574,7 @@
           </a:effectLst>
           <a:extLst>
             <a:ext uri="{C572A759-6A51-4108-AA02-DFA0A04FC94B}">
-              <ma14:wrappingTextBoxFlag xmlns:ma14="http://schemas.microsoft.com/office/mac/drawingml/2011/main" xmlns:a14="http://schemas.microsoft.com/office/drawing/2010/main" xmlns:m="http://schemas.openxmlformats.org/officeDocument/2006/math" xmlns="" val="1"/>
+              <ma14:wrappingTextBoxFlag xmlns="" xmlns:m="http://schemas.openxmlformats.org/officeDocument/2006/math" xmlns:a14="http://schemas.microsoft.com/office/drawing/2010/main" xmlns:ma14="http://schemas.microsoft.com/office/mac/drawingml/2011/main" val="1"/>
             </a:ext>
           </a:extLst>
         </p:spPr>
@@ -10680,34 +10674,34 @@
               </a:lnSpc>
             </a:pPr>
             <a:r>
-              <a:rPr lang="zh-CN" altLang="en-US" dirty="0"/>
+              <a:rPr lang="zh-CN" altLang="en-US" b="0" dirty="0"/>
               <a:t>面向对象语言中接口是很重要得概念，是对行为得抽象，类（</a:t>
             </a:r>
             <a:r>
-              <a:rPr lang="en-US" altLang="zh-CN" dirty="0"/>
+              <a:rPr lang="en-US" altLang="zh-CN" b="0" dirty="0"/>
               <a:t>classes</a:t>
             </a:r>
             <a:r>
-              <a:rPr lang="zh-CN" altLang="en-US" dirty="0"/>
+              <a:rPr lang="zh-CN" altLang="en-US" b="0" dirty="0"/>
               <a:t>）去实现（</a:t>
             </a:r>
             <a:r>
-              <a:rPr lang="en-US" altLang="zh-CN" dirty="0"/>
+              <a:rPr lang="en-US" altLang="zh-CN" b="0" dirty="0"/>
               <a:t>implement</a:t>
             </a:r>
             <a:r>
-              <a:rPr lang="zh-CN" altLang="en-US" dirty="0"/>
+              <a:rPr lang="zh-CN" altLang="en-US" b="0" dirty="0"/>
               <a:t>）接口（</a:t>
             </a:r>
             <a:r>
-              <a:rPr lang="en-US" altLang="zh-CN" dirty="0"/>
+              <a:rPr lang="en-US" altLang="zh-CN" b="0" dirty="0"/>
               <a:t>Interfaces</a:t>
             </a:r>
             <a:r>
-              <a:rPr lang="zh-CN" altLang="en-US" dirty="0"/>
+              <a:rPr lang="zh-CN" altLang="en-US" b="0" dirty="0"/>
               <a:t>）</a:t>
             </a:r>
-            <a:endParaRPr lang="en-US" altLang="zh-CN" dirty="0"/>
+            <a:endParaRPr lang="en-US" altLang="zh-CN" b="0" dirty="0"/>
           </a:p>
           <a:p>
             <a:pPr>
@@ -10766,10 +10760,10 @@
               <a:buAutoNum type="arabicPeriod"/>
             </a:pPr>
             <a:r>
-              <a:rPr lang="zh-CN" altLang="en-US" dirty="0" smtClean="0"/>
+              <a:rPr lang="zh-CN" altLang="en-US" b="0" dirty="0" smtClean="0"/>
               <a:t>可选属性</a:t>
             </a:r>
-            <a:endParaRPr lang="en-US" altLang="zh-CN" dirty="0"/>
+            <a:endParaRPr lang="en-US" altLang="zh-CN" b="0" dirty="0"/>
           </a:p>
           <a:p>
             <a:pPr marL="914400" indent="-914400">
@@ -10780,7 +10774,7 @@
               <a:buAutoNum type="arabicPeriod"/>
             </a:pPr>
             <a:r>
-              <a:rPr lang="zh-CN" altLang="en-US" dirty="0"/>
+              <a:rPr lang="zh-CN" altLang="en-US" b="0" dirty="0"/>
               <a:t>只读属性</a:t>
             </a:r>
           </a:p>
@@ -10793,10 +10787,10 @@
               <a:buAutoNum type="arabicPeriod"/>
             </a:pPr>
             <a:r>
-              <a:rPr lang="zh-CN" altLang="en-US" dirty="0"/>
+              <a:rPr lang="zh-CN" altLang="en-US" b="0" dirty="0"/>
               <a:t>可选属性</a:t>
             </a:r>
-            <a:endParaRPr lang="en-US" altLang="zh-CN" dirty="0"/>
+            <a:endParaRPr lang="en-US" altLang="zh-CN" b="0" dirty="0"/>
           </a:p>
           <a:p>
             <a:pPr marL="914400" indent="-914400">
@@ -10807,14 +10801,14 @@
               <a:buAutoNum type="arabicPeriod"/>
             </a:pPr>
             <a:r>
-              <a:rPr lang="zh-CN" altLang="en-US" dirty="0"/>
+              <a:rPr lang="zh-CN" altLang="en-US" b="0" dirty="0"/>
               <a:t>接口继承</a:t>
             </a:r>
             <a:r>
-              <a:rPr lang="zh-CN" altLang="en-US" dirty="0" smtClean="0"/>
+              <a:rPr lang="zh-CN" altLang="en-US" b="0" dirty="0" smtClean="0"/>
               <a:t>接口</a:t>
             </a:r>
-            <a:endParaRPr lang="zh-CN" altLang="en-US" dirty="0"/>
+            <a:endParaRPr lang="zh-CN" altLang="en-US" b="0" dirty="0"/>
           </a:p>
         </p:txBody>
       </p:sp>
@@ -10904,7 +10898,7 @@
           </a:ln>
           <a:extLst>
             <a:ext uri="{C572A759-6A51-4108-AA02-DFA0A04FC94B}">
-              <ma14:wrappingTextBoxFlag xmlns:ma14="http://schemas.microsoft.com/office/mac/drawingml/2011/main" xmlns:a14="http://schemas.microsoft.com/office/drawing/2010/main" xmlns:m="http://schemas.openxmlformats.org/officeDocument/2006/math" xmlns="" val="1"/>
+              <ma14:wrappingTextBoxFlag xmlns="" xmlns:m="http://schemas.openxmlformats.org/officeDocument/2006/math" xmlns:a14="http://schemas.microsoft.com/office/drawing/2010/main" xmlns:ma14="http://schemas.microsoft.com/office/mac/drawingml/2011/main" val="1"/>
             </a:ext>
           </a:extLst>
         </p:spPr>
@@ -10952,7 +10946,7 @@
           </a:effectLst>
           <a:extLst>
             <a:ext uri="{C572A759-6A51-4108-AA02-DFA0A04FC94B}">
-              <ma14:wrappingTextBoxFlag xmlns:ma14="http://schemas.microsoft.com/office/mac/drawingml/2011/main" xmlns:a14="http://schemas.microsoft.com/office/drawing/2010/main" xmlns:m="http://schemas.openxmlformats.org/officeDocument/2006/math" xmlns="" val="1"/>
+              <ma14:wrappingTextBoxFlag xmlns="" xmlns:m="http://schemas.openxmlformats.org/officeDocument/2006/math" xmlns:a14="http://schemas.microsoft.com/office/drawing/2010/main" xmlns:ma14="http://schemas.microsoft.com/office/mac/drawingml/2011/main" val="1"/>
             </a:ext>
           </a:extLst>
         </p:spPr>
@@ -11049,14 +11043,14 @@
               <a:buAutoNum type="arabicPeriod"/>
             </a:pPr>
             <a:r>
-              <a:rPr lang="zh-CN" altLang="en-US" dirty="0"/>
+              <a:rPr lang="zh-CN" altLang="en-US" b="0" dirty="0"/>
               <a:t>联合</a:t>
             </a:r>
             <a:r>
-              <a:rPr lang="zh-CN" altLang="en-US" dirty="0" smtClean="0"/>
+              <a:rPr lang="zh-CN" altLang="en-US" b="0" dirty="0" smtClean="0"/>
               <a:t>类型</a:t>
             </a:r>
-            <a:endParaRPr lang="en-US" altLang="zh-CN" dirty="0" smtClean="0"/>
+            <a:endParaRPr lang="en-US" altLang="zh-CN" b="0" dirty="0" smtClean="0"/>
           </a:p>
           <a:p>
             <a:pPr marL="914400" indent="-914400">
@@ -11066,7 +11060,7 @@
               <a:buAutoNum type="arabicPeriod"/>
             </a:pPr>
             <a:r>
-              <a:rPr lang="en-US" altLang="zh-CN" dirty="0" smtClean="0"/>
+              <a:rPr lang="en-US" altLang="zh-CN" b="0" dirty="0" smtClean="0"/>
               <a:t>Any</a:t>
             </a:r>
           </a:p>
@@ -11078,14 +11072,14 @@
               <a:buAutoNum type="arabicPeriod"/>
             </a:pPr>
             <a:r>
-              <a:rPr lang="zh-CN" altLang="en-US" dirty="0"/>
+              <a:rPr lang="zh-CN" altLang="en-US" b="0" dirty="0"/>
               <a:t>数组泛</a:t>
             </a:r>
             <a:r>
-              <a:rPr lang="zh-CN" altLang="en-US" dirty="0" smtClean="0"/>
+              <a:rPr lang="zh-CN" altLang="en-US" b="0" dirty="0" smtClean="0"/>
               <a:t>型</a:t>
             </a:r>
-            <a:endParaRPr lang="en-US" altLang="zh-CN" dirty="0" smtClean="0"/>
+            <a:endParaRPr lang="en-US" altLang="zh-CN" b="0" dirty="0" smtClean="0"/>
           </a:p>
           <a:p>
             <a:pPr marL="914400" indent="-914400">
@@ -11096,7 +11090,7 @@
               <a:buAutoNum type="arabicPeriod"/>
             </a:pPr>
             <a:r>
-              <a:rPr lang="zh-CN" altLang="en-US" dirty="0"/>
+              <a:rPr lang="zh-CN" altLang="en-US" b="0" dirty="0"/>
               <a:t>接口表示泛型</a:t>
             </a:r>
           </a:p>
@@ -11109,7 +11103,7 @@
               <a:buAutoNum type="arabicPeriod"/>
             </a:pPr>
             <a:r>
-              <a:rPr lang="zh-CN" altLang="en-US" dirty="0"/>
+              <a:rPr lang="zh-CN" altLang="en-US" b="0" dirty="0"/>
               <a:t>类数组</a:t>
             </a:r>
           </a:p>
@@ -11121,7 +11115,7 @@
               <a:buAutoNum type="arabicPeriod"/>
             </a:pPr>
             <a:r>
-              <a:rPr lang="zh-CN" altLang="en-US" dirty="0"/>
+              <a:rPr lang="zh-CN" altLang="en-US" b="0" dirty="0"/>
               <a:t>元组</a:t>
             </a:r>
           </a:p>
@@ -11213,7 +11207,7 @@
           </a:ln>
           <a:extLst>
             <a:ext uri="{C572A759-6A51-4108-AA02-DFA0A04FC94B}">
-              <ma14:wrappingTextBoxFlag xmlns:ma14="http://schemas.microsoft.com/office/mac/drawingml/2011/main" xmlns:a14="http://schemas.microsoft.com/office/drawing/2010/main" xmlns:m="http://schemas.openxmlformats.org/officeDocument/2006/math" xmlns="" val="1"/>
+              <ma14:wrappingTextBoxFlag xmlns="" xmlns:m="http://schemas.openxmlformats.org/officeDocument/2006/math" xmlns:a14="http://schemas.microsoft.com/office/drawing/2010/main" xmlns:ma14="http://schemas.microsoft.com/office/mac/drawingml/2011/main" val="1"/>
             </a:ext>
           </a:extLst>
         </p:spPr>
@@ -11261,7 +11255,7 @@
           </a:effectLst>
           <a:extLst>
             <a:ext uri="{C572A759-6A51-4108-AA02-DFA0A04FC94B}">
-              <ma14:wrappingTextBoxFlag xmlns:ma14="http://schemas.microsoft.com/office/mac/drawingml/2011/main" xmlns:a14="http://schemas.microsoft.com/office/drawing/2010/main" xmlns:m="http://schemas.openxmlformats.org/officeDocument/2006/math" xmlns="" val="1"/>
+              <ma14:wrappingTextBoxFlag xmlns="" xmlns:m="http://schemas.openxmlformats.org/officeDocument/2006/math" xmlns:a14="http://schemas.microsoft.com/office/drawing/2010/main" xmlns:ma14="http://schemas.microsoft.com/office/mac/drawingml/2011/main" val="1"/>
             </a:ext>
           </a:extLst>
         </p:spPr>
@@ -11354,10 +11348,10 @@
               <a:buAutoNum type="arabicPeriod"/>
             </a:pPr>
             <a:r>
-              <a:rPr lang="zh-CN" altLang="en-US" dirty="0" smtClean="0"/>
+              <a:rPr lang="zh-CN" altLang="en-US" b="0" dirty="0" smtClean="0"/>
               <a:t>简单使用</a:t>
             </a:r>
-            <a:endParaRPr lang="en-US" altLang="zh-CN" dirty="0" smtClean="0"/>
+            <a:endParaRPr lang="en-US" altLang="zh-CN" b="0" dirty="0" smtClean="0"/>
           </a:p>
           <a:p>
             <a:pPr marL="914400" indent="-914400">
@@ -11368,10 +11362,10 @@
               <a:buAutoNum type="arabicPeriod"/>
             </a:pPr>
             <a:r>
-              <a:rPr lang="en-US" altLang="zh-CN" dirty="0"/>
+              <a:rPr lang="en-US" altLang="zh-CN" b="0" dirty="0"/>
               <a:t>void</a:t>
             </a:r>
-            <a:endParaRPr lang="zh-CN" altLang="en-US" dirty="0"/>
+            <a:endParaRPr lang="zh-CN" altLang="en-US" b="0" dirty="0"/>
           </a:p>
           <a:p>
             <a:pPr marL="914400" indent="-914400">
@@ -11381,14 +11375,14 @@
               <a:buAutoNum type="arabicPeriod"/>
             </a:pPr>
             <a:r>
-              <a:rPr lang="zh-CN" altLang="en-US" dirty="0"/>
+              <a:rPr lang="zh-CN" altLang="en-US" b="0" dirty="0"/>
               <a:t>可选</a:t>
             </a:r>
             <a:r>
-              <a:rPr lang="zh-CN" altLang="en-US" dirty="0" smtClean="0"/>
+              <a:rPr lang="zh-CN" altLang="en-US" b="0" dirty="0" smtClean="0"/>
               <a:t>参数</a:t>
             </a:r>
-            <a:endParaRPr lang="en-US" altLang="zh-CN" dirty="0" smtClean="0"/>
+            <a:endParaRPr lang="en-US" altLang="zh-CN" b="0" dirty="0" smtClean="0"/>
           </a:p>
           <a:p>
             <a:pPr marL="914400" indent="-914400">
@@ -11398,14 +11392,14 @@
               <a:buAutoNum type="arabicPeriod"/>
             </a:pPr>
             <a:r>
-              <a:rPr lang="zh-CN" altLang="en-US" dirty="0"/>
+              <a:rPr lang="zh-CN" altLang="en-US" b="0" dirty="0"/>
               <a:t>默认</a:t>
             </a:r>
             <a:r>
-              <a:rPr lang="zh-CN" altLang="en-US" dirty="0" smtClean="0"/>
+              <a:rPr lang="zh-CN" altLang="en-US" b="0" dirty="0" smtClean="0"/>
               <a:t>参数</a:t>
             </a:r>
-            <a:endParaRPr lang="en-US" altLang="zh-CN" dirty="0" smtClean="0"/>
+            <a:endParaRPr lang="en-US" altLang="zh-CN" b="0" dirty="0" smtClean="0"/>
           </a:p>
           <a:p>
             <a:pPr marL="914400" indent="-914400">
@@ -11416,7 +11410,7 @@
               <a:buAutoNum type="arabicPeriod"/>
             </a:pPr>
             <a:r>
-              <a:rPr lang="zh-CN" altLang="en-US" dirty="0"/>
+              <a:rPr lang="zh-CN" altLang="en-US" b="0" dirty="0"/>
               <a:t>剩余参数</a:t>
             </a:r>
           </a:p>
@@ -11429,7 +11423,7 @@
               <a:buAutoNum type="arabicPeriod"/>
             </a:pPr>
             <a:r>
-              <a:rPr lang="zh-CN" altLang="en-US" dirty="0"/>
+              <a:rPr lang="zh-CN" altLang="en-US" b="0" dirty="0"/>
               <a:t>函数重载</a:t>
             </a:r>
           </a:p>
@@ -11442,14 +11436,14 @@
               <a:buAutoNum type="arabicPeriod"/>
             </a:pPr>
             <a:r>
-              <a:rPr lang="zh-CN" altLang="en-US" dirty="0"/>
+              <a:rPr lang="zh-CN" altLang="en-US" b="0" dirty="0"/>
               <a:t>接口表示函数返回</a:t>
             </a:r>
             <a:r>
-              <a:rPr lang="zh-CN" altLang="en-US" dirty="0" smtClean="0"/>
+              <a:rPr lang="zh-CN" altLang="en-US" b="0" dirty="0" smtClean="0"/>
               <a:t>对象</a:t>
             </a:r>
-            <a:endParaRPr lang="zh-CN" altLang="en-US" dirty="0"/>
+            <a:endParaRPr lang="zh-CN" altLang="en-US" b="0" dirty="0"/>
           </a:p>
         </p:txBody>
       </p:sp>

--- a/share/走进 TypeScript 让你把前端代码写的更爽！.pptx
+++ b/share/走进 TypeScript 让你把前端代码写的更爽！.pptx
@@ -1914,7 +1914,7 @@
           </a:ln>
           <a:extLst>
             <a:ext uri="{C572A759-6A51-4108-AA02-DFA0A04FC94B}">
-              <ma14:wrappingTextBoxFlag xmlns="" xmlns:m="http://schemas.openxmlformats.org/officeDocument/2006/math" xmlns:a14="http://schemas.microsoft.com/office/drawing/2010/main" xmlns:ma14="http://schemas.microsoft.com/office/mac/drawingml/2011/main" val="1"/>
+              <ma14:wrappingTextBoxFlag xmlns:ma14="http://schemas.microsoft.com/office/mac/drawingml/2011/main" xmlns:a14="http://schemas.microsoft.com/office/drawing/2010/main" xmlns:m="http://schemas.openxmlformats.org/officeDocument/2006/math" xmlns="" val="1"/>
             </a:ext>
           </a:extLst>
         </p:spPr>
@@ -1953,7 +1953,7 @@
           </a:ln>
           <a:extLst>
             <a:ext uri="{C572A759-6A51-4108-AA02-DFA0A04FC94B}">
-              <ma14:wrappingTextBoxFlag xmlns="" xmlns:m="http://schemas.openxmlformats.org/officeDocument/2006/math" xmlns:a14="http://schemas.microsoft.com/office/drawing/2010/main" xmlns:ma14="http://schemas.microsoft.com/office/mac/drawingml/2011/main" val="1"/>
+              <ma14:wrappingTextBoxFlag xmlns:ma14="http://schemas.microsoft.com/office/mac/drawingml/2011/main" xmlns:a14="http://schemas.microsoft.com/office/drawing/2010/main" xmlns:m="http://schemas.openxmlformats.org/officeDocument/2006/math" xmlns="" val="1"/>
             </a:ext>
           </a:extLst>
         </p:spPr>
@@ -3059,7 +3059,7 @@
           </a:effectLst>
           <a:extLst>
             <a:ext uri="{C572A759-6A51-4108-AA02-DFA0A04FC94B}">
-              <ma14:wrappingTextBoxFlag xmlns="" xmlns:m="http://schemas.openxmlformats.org/officeDocument/2006/math" xmlns:a14="http://schemas.microsoft.com/office/drawing/2010/main" xmlns:ma14="http://schemas.microsoft.com/office/mac/drawingml/2011/main" val="1"/>
+              <ma14:wrappingTextBoxFlag xmlns:ma14="http://schemas.microsoft.com/office/mac/drawingml/2011/main" xmlns:a14="http://schemas.microsoft.com/office/drawing/2010/main" xmlns:m="http://schemas.openxmlformats.org/officeDocument/2006/math" xmlns="" val="1"/>
             </a:ext>
           </a:extLst>
         </p:spPr>
@@ -3113,7 +3113,7 @@
           </a:ln>
           <a:extLst>
             <a:ext uri="{C572A759-6A51-4108-AA02-DFA0A04FC94B}">
-              <ma14:wrappingTextBoxFlag xmlns="" xmlns:m="http://schemas.openxmlformats.org/officeDocument/2006/math" xmlns:a14="http://schemas.microsoft.com/office/drawing/2010/main" xmlns:ma14="http://schemas.microsoft.com/office/mac/drawingml/2011/main" val="1"/>
+              <ma14:wrappingTextBoxFlag xmlns:ma14="http://schemas.microsoft.com/office/mac/drawingml/2011/main" xmlns:a14="http://schemas.microsoft.com/office/drawing/2010/main" xmlns:m="http://schemas.openxmlformats.org/officeDocument/2006/math" xmlns="" val="1"/>
             </a:ext>
           </a:extLst>
         </p:spPr>
@@ -3410,7 +3410,7 @@
           </a:ln>
           <a:extLst>
             <a:ext uri="{C572A759-6A51-4108-AA02-DFA0A04FC94B}">
-              <ma14:wrappingTextBoxFlag xmlns="" xmlns:m="http://schemas.openxmlformats.org/officeDocument/2006/math" xmlns:a14="http://schemas.microsoft.com/office/drawing/2010/main" xmlns:ma14="http://schemas.microsoft.com/office/mac/drawingml/2011/main" val="1"/>
+              <ma14:wrappingTextBoxFlag xmlns:ma14="http://schemas.microsoft.com/office/mac/drawingml/2011/main" xmlns:a14="http://schemas.microsoft.com/office/drawing/2010/main" xmlns:m="http://schemas.openxmlformats.org/officeDocument/2006/math" xmlns="" val="1"/>
             </a:ext>
           </a:extLst>
         </p:spPr>
@@ -3458,7 +3458,7 @@
           </a:effectLst>
           <a:extLst>
             <a:ext uri="{C572A759-6A51-4108-AA02-DFA0A04FC94B}">
-              <ma14:wrappingTextBoxFlag xmlns="" xmlns:m="http://schemas.openxmlformats.org/officeDocument/2006/math" xmlns:a14="http://schemas.microsoft.com/office/drawing/2010/main" xmlns:ma14="http://schemas.microsoft.com/office/mac/drawingml/2011/main" val="1"/>
+              <ma14:wrappingTextBoxFlag xmlns:ma14="http://schemas.microsoft.com/office/mac/drawingml/2011/main" xmlns:a14="http://schemas.microsoft.com/office/drawing/2010/main" xmlns:m="http://schemas.openxmlformats.org/officeDocument/2006/math" xmlns="" val="1"/>
             </a:ext>
           </a:extLst>
         </p:spPr>
@@ -3512,7 +3512,7 @@
         </p:nvSpPr>
         <p:spPr>
           <a:xfrm>
-            <a:off x="7933124" y="4816099"/>
+            <a:off x="7933124" y="4816100"/>
             <a:ext cx="14195356" cy="4719241"/>
           </a:xfrm>
           <a:prstGeom prst="rect">
@@ -3616,13 +3616,13 @@
             </a:pPr>
             <a:r>
               <a:rPr lang="zh-CN" altLang="en-US" b="0" dirty="0"/>
-              <a:t>混合</a:t>
+              <a:t>接口继承</a:t>
             </a:r>
             <a:r>
               <a:rPr lang="zh-CN" altLang="en-US" b="0" dirty="0" smtClean="0"/>
-              <a:t>类型</a:t>
-            </a:r>
-            <a:endParaRPr lang="en-US" altLang="zh-CN" b="0" dirty="0"/>
+              <a:t>类</a:t>
+            </a:r>
+            <a:endParaRPr lang="zh-CN" altLang="en-US" b="0" dirty="0"/>
           </a:p>
         </p:txBody>
       </p:sp>
@@ -3712,7 +3712,7 @@
           </a:ln>
           <a:extLst>
             <a:ext uri="{C572A759-6A51-4108-AA02-DFA0A04FC94B}">
-              <ma14:wrappingTextBoxFlag xmlns="" xmlns:m="http://schemas.openxmlformats.org/officeDocument/2006/math" xmlns:a14="http://schemas.microsoft.com/office/drawing/2010/main" xmlns:ma14="http://schemas.microsoft.com/office/mac/drawingml/2011/main" val="1"/>
+              <ma14:wrappingTextBoxFlag xmlns:ma14="http://schemas.microsoft.com/office/mac/drawingml/2011/main" xmlns:a14="http://schemas.microsoft.com/office/drawing/2010/main" xmlns:m="http://schemas.openxmlformats.org/officeDocument/2006/math" xmlns="" val="1"/>
             </a:ext>
           </a:extLst>
         </p:spPr>
@@ -3760,7 +3760,7 @@
           </a:effectLst>
           <a:extLst>
             <a:ext uri="{C572A759-6A51-4108-AA02-DFA0A04FC94B}">
-              <ma14:wrappingTextBoxFlag xmlns="" xmlns:m="http://schemas.openxmlformats.org/officeDocument/2006/math" xmlns:a14="http://schemas.microsoft.com/office/drawing/2010/main" xmlns:ma14="http://schemas.microsoft.com/office/mac/drawingml/2011/main" val="1"/>
+              <ma14:wrappingTextBoxFlag xmlns:ma14="http://schemas.microsoft.com/office/mac/drawingml/2011/main" xmlns:a14="http://schemas.microsoft.com/office/drawing/2010/main" xmlns:m="http://schemas.openxmlformats.org/officeDocument/2006/math" xmlns="" val="1"/>
             </a:ext>
           </a:extLst>
         </p:spPr>
@@ -3818,7 +3818,7 @@
         </p:nvSpPr>
         <p:spPr>
           <a:xfrm>
-            <a:off x="3156857" y="4901428"/>
+            <a:off x="3103068" y="2212016"/>
             <a:ext cx="17308286" cy="2410916"/>
           </a:xfrm>
           <a:prstGeom prst="rect">
@@ -3876,6 +3876,272 @@
               </a:solidFill>
               <a:effectLst/>
               <a:uFillTx/>
+              <a:sym typeface="Helvetica"/>
+            </a:endParaRPr>
+          </a:p>
+        </p:txBody>
+      </p:sp>
+      <p:sp>
+        <p:nvSpPr>
+          <p:cNvPr id="2" name="文本框 1"/>
+          <p:cNvSpPr txBox="1"/>
+          <p:nvPr/>
+        </p:nvSpPr>
+        <p:spPr>
+          <a:xfrm>
+            <a:off x="9832924" y="5487862"/>
+            <a:ext cx="12694799" cy="6642844"/>
+          </a:xfrm>
+          <a:prstGeom prst="rect">
+            <a:avLst/>
+          </a:prstGeom>
+          <a:noFill/>
+          <a:ln w="12700" cap="flat">
+            <a:noFill/>
+            <a:miter lim="400000"/>
+          </a:ln>
+          <a:effectLst/>
+          <a:sp3d/>
+        </p:spPr>
+        <p:style>
+          <a:lnRef idx="0">
+            <a:scrgbClr r="0" g="0" b="0"/>
+          </a:lnRef>
+          <a:fillRef idx="0">
+            <a:scrgbClr r="0" g="0" b="0"/>
+          </a:fillRef>
+          <a:effectRef idx="0">
+            <a:scrgbClr r="0" g="0" b="0"/>
+          </a:effectRef>
+          <a:fontRef idx="none"/>
+        </p:style>
+        <p:txBody>
+          <a:bodyPr rot="0" spcFirstLastPara="1" vertOverflow="overflow" horzOverflow="overflow" vert="horz" wrap="square" lIns="50800" tIns="50800" rIns="50800" bIns="50800" numCol="1" spcCol="38100" rtlCol="0" anchor="ctr">
+            <a:spAutoFit/>
+          </a:bodyPr>
+          <a:lstStyle/>
+          <a:p>
+            <a:pPr marL="914400" marR="0" indent="-914400" algn="l" defTabSz="825500" rtl="0" fontAlgn="auto" latinLnBrk="0" hangingPunct="0">
+              <a:lnSpc>
+                <a:spcPct val="150000"/>
+              </a:lnSpc>
+              <a:spcBef>
+                <a:spcPts val="0"/>
+              </a:spcBef>
+              <a:spcAft>
+                <a:spcPts val="0"/>
+              </a:spcAft>
+              <a:buClrTx/>
+              <a:buSzTx/>
+              <a:buFontTx/>
+              <a:buAutoNum type="arabicPeriod"/>
+              <a:tabLst/>
+            </a:pPr>
+            <a:r>
+              <a:rPr kumimoji="0" lang="zh-CN" altLang="en-US" sz="5000" b="0" i="0" u="none" strike="noStrike" cap="none" spc="0" normalizeH="0" baseline="0" dirty="0" smtClean="0">
+                <a:ln>
+                  <a:noFill/>
+                </a:ln>
+                <a:solidFill>
+                  <a:srgbClr val="FAE061"/>
+                </a:solidFill>
+                <a:effectLst/>
+                <a:uFillTx/>
+                <a:sym typeface="Helvetica"/>
+              </a:rPr>
+              <a:t>泛型函数</a:t>
+            </a:r>
+            <a:endParaRPr kumimoji="0" lang="en-US" altLang="zh-CN" sz="5000" b="0" i="0" u="none" strike="noStrike" cap="none" spc="0" normalizeH="0" baseline="0" dirty="0" smtClean="0">
+              <a:ln>
+                <a:noFill/>
+              </a:ln>
+              <a:solidFill>
+                <a:srgbClr val="FAE061"/>
+              </a:solidFill>
+              <a:effectLst/>
+              <a:uFillTx/>
+              <a:sym typeface="Helvetica"/>
+            </a:endParaRPr>
+          </a:p>
+          <a:p>
+            <a:pPr marL="914400" marR="0" indent="-914400" algn="l" defTabSz="825500" rtl="0" fontAlgn="auto" latinLnBrk="0" hangingPunct="0">
+              <a:lnSpc>
+                <a:spcPct val="150000"/>
+              </a:lnSpc>
+              <a:spcBef>
+                <a:spcPts val="0"/>
+              </a:spcBef>
+              <a:spcAft>
+                <a:spcPts val="0"/>
+              </a:spcAft>
+              <a:buClrTx/>
+              <a:buSzTx/>
+              <a:buFontTx/>
+              <a:buAutoNum type="arabicPeriod"/>
+              <a:tabLst/>
+            </a:pPr>
+            <a:r>
+              <a:rPr lang="zh-CN" altLang="en-US" b="0" dirty="0"/>
+              <a:t>泛</a:t>
+            </a:r>
+            <a:r>
+              <a:rPr lang="zh-CN" altLang="en-US" b="0" dirty="0" smtClean="0"/>
+              <a:t>型类</a:t>
+            </a:r>
+            <a:endParaRPr lang="en-US" altLang="zh-CN" b="0" dirty="0" smtClean="0"/>
+          </a:p>
+          <a:p>
+            <a:pPr marL="914400" marR="0" indent="-914400" algn="l" defTabSz="825500" rtl="0" fontAlgn="auto" latinLnBrk="0" hangingPunct="0">
+              <a:lnSpc>
+                <a:spcPct val="150000"/>
+              </a:lnSpc>
+              <a:spcBef>
+                <a:spcPts val="0"/>
+              </a:spcBef>
+              <a:spcAft>
+                <a:spcPts val="0"/>
+              </a:spcAft>
+              <a:buClrTx/>
+              <a:buSzTx/>
+              <a:buFontTx/>
+              <a:buAutoNum type="arabicPeriod"/>
+              <a:tabLst/>
+            </a:pPr>
+            <a:r>
+              <a:rPr kumimoji="0" lang="zh-CN" altLang="en-US" sz="5000" b="0" i="0" u="none" strike="noStrike" cap="none" spc="0" normalizeH="0" baseline="0" dirty="0" smtClean="0">
+                <a:ln>
+                  <a:noFill/>
+                </a:ln>
+                <a:solidFill>
+                  <a:srgbClr val="FAE061"/>
+                </a:solidFill>
+                <a:effectLst/>
+                <a:uFillTx/>
+                <a:sym typeface="Helvetica"/>
+              </a:rPr>
+              <a:t>泛型约束</a:t>
+            </a:r>
+            <a:endParaRPr kumimoji="0" lang="en-US" altLang="zh-CN" sz="5000" b="0" i="0" u="none" strike="noStrike" cap="none" spc="0" normalizeH="0" baseline="0" dirty="0" smtClean="0">
+              <a:ln>
+                <a:noFill/>
+              </a:ln>
+              <a:solidFill>
+                <a:srgbClr val="FAE061"/>
+              </a:solidFill>
+              <a:effectLst/>
+              <a:uFillTx/>
+              <a:sym typeface="Helvetica"/>
+            </a:endParaRPr>
+          </a:p>
+          <a:p>
+            <a:pPr marL="914400" marR="0" indent="-914400" algn="l" defTabSz="825500" rtl="0" fontAlgn="auto" latinLnBrk="0" hangingPunct="0">
+              <a:lnSpc>
+                <a:spcPct val="150000"/>
+              </a:lnSpc>
+              <a:spcBef>
+                <a:spcPts val="0"/>
+              </a:spcBef>
+              <a:spcAft>
+                <a:spcPts val="0"/>
+              </a:spcAft>
+              <a:buClrTx/>
+              <a:buSzTx/>
+              <a:buFontTx/>
+              <a:buAutoNum type="arabicPeriod"/>
+              <a:tabLst/>
+            </a:pPr>
+            <a:r>
+              <a:rPr lang="zh-CN" altLang="en-US" b="0" dirty="0"/>
+              <a:t>泛</a:t>
+            </a:r>
+            <a:r>
+              <a:rPr lang="zh-CN" altLang="en-US" b="0" dirty="0" smtClean="0"/>
+              <a:t>型接口定义函数</a:t>
+            </a:r>
+            <a:endParaRPr kumimoji="0" lang="en-US" altLang="zh-CN" sz="5000" b="0" i="0" u="none" strike="noStrike" cap="none" spc="0" normalizeH="0" baseline="0" dirty="0" smtClean="0">
+              <a:ln>
+                <a:noFill/>
+              </a:ln>
+              <a:solidFill>
+                <a:srgbClr val="FAE061"/>
+              </a:solidFill>
+              <a:effectLst/>
+              <a:uFillTx/>
+              <a:sym typeface="Helvetica"/>
+            </a:endParaRPr>
+          </a:p>
+          <a:p>
+            <a:pPr marL="914400" marR="0" indent="-914400" algn="l" defTabSz="825500" rtl="0" fontAlgn="auto" latinLnBrk="0" hangingPunct="0">
+              <a:lnSpc>
+                <a:spcPct val="150000"/>
+              </a:lnSpc>
+              <a:spcBef>
+                <a:spcPts val="0"/>
+              </a:spcBef>
+              <a:spcAft>
+                <a:spcPts val="0"/>
+              </a:spcAft>
+              <a:buClrTx/>
+              <a:buSzTx/>
+              <a:buFontTx/>
+              <a:buAutoNum type="arabicPeriod"/>
+              <a:tabLst/>
+            </a:pPr>
+            <a:r>
+              <a:rPr kumimoji="0" lang="zh-CN" altLang="en-US" sz="5000" b="0" i="0" u="none" strike="noStrike" cap="none" spc="0" normalizeH="0" baseline="0" dirty="0" smtClean="0">
+                <a:ln>
+                  <a:noFill/>
+                </a:ln>
+                <a:solidFill>
+                  <a:srgbClr val="FAE061"/>
+                </a:solidFill>
+                <a:effectLst/>
+                <a:uFillTx/>
+                <a:sym typeface="Helvetica"/>
+              </a:rPr>
+              <a:t>泛型默认类型</a:t>
+            </a:r>
+            <a:endParaRPr kumimoji="0" lang="en-US" altLang="zh-CN" sz="5000" b="0" i="0" u="none" strike="noStrike" cap="none" spc="0" normalizeH="0" baseline="0" dirty="0" smtClean="0">
+              <a:ln>
+                <a:noFill/>
+              </a:ln>
+              <a:solidFill>
+                <a:srgbClr val="FAE061"/>
+              </a:solidFill>
+              <a:effectLst/>
+              <a:uFillTx/>
+              <a:sym typeface="Helvetica"/>
+            </a:endParaRPr>
+          </a:p>
+          <a:p>
+            <a:pPr marL="0" marR="0" indent="0" algn="l" defTabSz="825500" rtl="0" fontAlgn="auto" latinLnBrk="0" hangingPunct="0">
+              <a:lnSpc>
+                <a:spcPct val="100000"/>
+              </a:lnSpc>
+              <a:spcBef>
+                <a:spcPts val="0"/>
+              </a:spcBef>
+              <a:spcAft>
+                <a:spcPts val="0"/>
+              </a:spcAft>
+              <a:buClrTx/>
+              <a:buSzTx/>
+              <a:buFontTx/>
+              <a:buNone/>
+              <a:tabLst/>
+            </a:pPr>
+            <a:endParaRPr kumimoji="0" lang="zh-CN" altLang="en-US" sz="5000" b="1" i="0" u="none" strike="noStrike" cap="none" spc="0" normalizeH="0" baseline="0" dirty="0">
+              <a:ln>
+                <a:noFill/>
+              </a:ln>
+              <a:solidFill>
+                <a:srgbClr val="FAE061"/>
+              </a:solidFill>
+              <a:effectLst/>
+              <a:uFillTx/>
+              <a:latin typeface="+mj-lt"/>
+              <a:ea typeface="+mj-ea"/>
+              <a:cs typeface="+mj-cs"/>
               <a:sym typeface="Helvetica"/>
             </a:endParaRPr>
           </a:p>
@@ -3967,7 +4233,7 @@
           </a:ln>
           <a:extLst>
             <a:ext uri="{C572A759-6A51-4108-AA02-DFA0A04FC94B}">
-              <ma14:wrappingTextBoxFlag xmlns="" xmlns:m="http://schemas.openxmlformats.org/officeDocument/2006/math" xmlns:a14="http://schemas.microsoft.com/office/drawing/2010/main" xmlns:ma14="http://schemas.microsoft.com/office/mac/drawingml/2011/main" val="1"/>
+              <ma14:wrappingTextBoxFlag xmlns:ma14="http://schemas.microsoft.com/office/mac/drawingml/2011/main" xmlns:a14="http://schemas.microsoft.com/office/drawing/2010/main" xmlns:m="http://schemas.openxmlformats.org/officeDocument/2006/math" xmlns="" val="1"/>
             </a:ext>
           </a:extLst>
         </p:spPr>
@@ -4015,7 +4281,7 @@
           </a:effectLst>
           <a:extLst>
             <a:ext uri="{C572A759-6A51-4108-AA02-DFA0A04FC94B}">
-              <ma14:wrappingTextBoxFlag xmlns="" xmlns:m="http://schemas.openxmlformats.org/officeDocument/2006/math" xmlns:a14="http://schemas.microsoft.com/office/drawing/2010/main" xmlns:ma14="http://schemas.microsoft.com/office/mac/drawingml/2011/main" val="1"/>
+              <ma14:wrappingTextBoxFlag xmlns:ma14="http://schemas.microsoft.com/office/mac/drawingml/2011/main" xmlns:a14="http://schemas.microsoft.com/office/drawing/2010/main" xmlns:m="http://schemas.openxmlformats.org/officeDocument/2006/math" xmlns="" val="1"/>
             </a:ext>
           </a:extLst>
         </p:spPr>
@@ -4223,7 +4489,7 @@
           </a:ln>
           <a:extLst>
             <a:ext uri="{C572A759-6A51-4108-AA02-DFA0A04FC94B}">
-              <ma14:wrappingTextBoxFlag xmlns="" xmlns:m="http://schemas.openxmlformats.org/officeDocument/2006/math" xmlns:a14="http://schemas.microsoft.com/office/drawing/2010/main" xmlns:ma14="http://schemas.microsoft.com/office/mac/drawingml/2011/main" val="1"/>
+              <ma14:wrappingTextBoxFlag xmlns:ma14="http://schemas.microsoft.com/office/mac/drawingml/2011/main" xmlns:a14="http://schemas.microsoft.com/office/drawing/2010/main" xmlns:m="http://schemas.openxmlformats.org/officeDocument/2006/math" xmlns="" val="1"/>
             </a:ext>
           </a:extLst>
         </p:spPr>
@@ -4271,7 +4537,7 @@
           </a:effectLst>
           <a:extLst>
             <a:ext uri="{C572A759-6A51-4108-AA02-DFA0A04FC94B}">
-              <ma14:wrappingTextBoxFlag xmlns="" xmlns:m="http://schemas.openxmlformats.org/officeDocument/2006/math" xmlns:a14="http://schemas.microsoft.com/office/drawing/2010/main" xmlns:ma14="http://schemas.microsoft.com/office/mac/drawingml/2011/main" val="1"/>
+              <ma14:wrappingTextBoxFlag xmlns:ma14="http://schemas.microsoft.com/office/mac/drawingml/2011/main" xmlns:a14="http://schemas.microsoft.com/office/drawing/2010/main" xmlns:m="http://schemas.openxmlformats.org/officeDocument/2006/math" xmlns="" val="1"/>
             </a:ext>
           </a:extLst>
         </p:spPr>
@@ -5383,7 +5649,7 @@
           </a:ln>
           <a:extLst>
             <a:ext uri="{C572A759-6A51-4108-AA02-DFA0A04FC94B}">
-              <ma14:wrappingTextBoxFlag xmlns="" xmlns:m="http://schemas.openxmlformats.org/officeDocument/2006/math" xmlns:a14="http://schemas.microsoft.com/office/drawing/2010/main" xmlns:ma14="http://schemas.microsoft.com/office/mac/drawingml/2011/main" val="1"/>
+              <ma14:wrappingTextBoxFlag xmlns:ma14="http://schemas.microsoft.com/office/mac/drawingml/2011/main" xmlns:a14="http://schemas.microsoft.com/office/drawing/2010/main" xmlns:m="http://schemas.openxmlformats.org/officeDocument/2006/math" xmlns="" val="1"/>
             </a:ext>
           </a:extLst>
         </p:spPr>
@@ -5431,7 +5697,7 @@
           </a:effectLst>
           <a:extLst>
             <a:ext uri="{C572A759-6A51-4108-AA02-DFA0A04FC94B}">
-              <ma14:wrappingTextBoxFlag xmlns="" xmlns:m="http://schemas.openxmlformats.org/officeDocument/2006/math" xmlns:a14="http://schemas.microsoft.com/office/drawing/2010/main" xmlns:ma14="http://schemas.microsoft.com/office/mac/drawingml/2011/main" val="1"/>
+              <ma14:wrappingTextBoxFlag xmlns:ma14="http://schemas.microsoft.com/office/mac/drawingml/2011/main" xmlns:a14="http://schemas.microsoft.com/office/drawing/2010/main" xmlns:m="http://schemas.openxmlformats.org/officeDocument/2006/math" xmlns="" val="1"/>
             </a:ext>
           </a:extLst>
         </p:spPr>
@@ -5655,7 +5921,7 @@
           </a:ln>
           <a:extLst>
             <a:ext uri="{C572A759-6A51-4108-AA02-DFA0A04FC94B}">
-              <ma14:wrappingTextBoxFlag xmlns="" xmlns:m="http://schemas.openxmlformats.org/officeDocument/2006/math" xmlns:a14="http://schemas.microsoft.com/office/drawing/2010/main" xmlns:ma14="http://schemas.microsoft.com/office/mac/drawingml/2011/main" val="1"/>
+              <ma14:wrappingTextBoxFlag xmlns:ma14="http://schemas.microsoft.com/office/mac/drawingml/2011/main" xmlns:a14="http://schemas.microsoft.com/office/drawing/2010/main" xmlns:m="http://schemas.openxmlformats.org/officeDocument/2006/math" xmlns="" val="1"/>
             </a:ext>
           </a:extLst>
         </p:spPr>
@@ -5699,7 +5965,7 @@
           </a:effectLst>
           <a:extLst>
             <a:ext uri="{C572A759-6A51-4108-AA02-DFA0A04FC94B}">
-              <ma14:wrappingTextBoxFlag xmlns="" xmlns:m="http://schemas.openxmlformats.org/officeDocument/2006/math" xmlns:a14="http://schemas.microsoft.com/office/drawing/2010/main" xmlns:ma14="http://schemas.microsoft.com/office/mac/drawingml/2011/main" val="1"/>
+              <ma14:wrappingTextBoxFlag xmlns:ma14="http://schemas.microsoft.com/office/mac/drawingml/2011/main" xmlns:a14="http://schemas.microsoft.com/office/drawing/2010/main" xmlns:m="http://schemas.openxmlformats.org/officeDocument/2006/math" xmlns="" val="1"/>
             </a:ext>
           </a:extLst>
         </p:spPr>
@@ -6106,7 +6372,7 @@
           </a:ln>
           <a:extLst>
             <a:ext uri="{C572A759-6A51-4108-AA02-DFA0A04FC94B}">
-              <ma14:wrappingTextBoxFlag xmlns="" xmlns:m="http://schemas.openxmlformats.org/officeDocument/2006/math" xmlns:a14="http://schemas.microsoft.com/office/drawing/2010/main" xmlns:ma14="http://schemas.microsoft.com/office/mac/drawingml/2011/main" val="1"/>
+              <ma14:wrappingTextBoxFlag xmlns:ma14="http://schemas.microsoft.com/office/mac/drawingml/2011/main" xmlns:a14="http://schemas.microsoft.com/office/drawing/2010/main" xmlns:m="http://schemas.openxmlformats.org/officeDocument/2006/math" xmlns="" val="1"/>
             </a:ext>
           </a:extLst>
         </p:spPr>
@@ -6150,7 +6416,7 @@
           </a:effectLst>
           <a:extLst>
             <a:ext uri="{C572A759-6A51-4108-AA02-DFA0A04FC94B}">
-              <ma14:wrappingTextBoxFlag xmlns="" xmlns:m="http://schemas.openxmlformats.org/officeDocument/2006/math" xmlns:a14="http://schemas.microsoft.com/office/drawing/2010/main" xmlns:ma14="http://schemas.microsoft.com/office/mac/drawingml/2011/main" val="1"/>
+              <ma14:wrappingTextBoxFlag xmlns:ma14="http://schemas.microsoft.com/office/mac/drawingml/2011/main" xmlns:a14="http://schemas.microsoft.com/office/drawing/2010/main" xmlns:m="http://schemas.openxmlformats.org/officeDocument/2006/math" xmlns="" val="1"/>
             </a:ext>
           </a:extLst>
         </p:spPr>
@@ -6430,7 +6696,7 @@
           </a:ln>
           <a:extLst>
             <a:ext uri="{C572A759-6A51-4108-AA02-DFA0A04FC94B}">
-              <ma14:wrappingTextBoxFlag xmlns="" xmlns:m="http://schemas.openxmlformats.org/officeDocument/2006/math" xmlns:a14="http://schemas.microsoft.com/office/drawing/2010/main" xmlns:ma14="http://schemas.microsoft.com/office/mac/drawingml/2011/main" val="1"/>
+              <ma14:wrappingTextBoxFlag xmlns:ma14="http://schemas.microsoft.com/office/mac/drawingml/2011/main" xmlns:a14="http://schemas.microsoft.com/office/drawing/2010/main" xmlns:m="http://schemas.openxmlformats.org/officeDocument/2006/math" xmlns="" val="1"/>
             </a:ext>
           </a:extLst>
         </p:spPr>
@@ -6743,7 +7009,7 @@
           </a:effectLst>
           <a:extLst>
             <a:ext uri="{C572A759-6A51-4108-AA02-DFA0A04FC94B}">
-              <ma14:wrappingTextBoxFlag xmlns="" xmlns:m="http://schemas.openxmlformats.org/officeDocument/2006/math" xmlns:a14="http://schemas.microsoft.com/office/drawing/2010/main" xmlns:ma14="http://schemas.microsoft.com/office/mac/drawingml/2011/main" val="1"/>
+              <ma14:wrappingTextBoxFlag xmlns:ma14="http://schemas.microsoft.com/office/mac/drawingml/2011/main" xmlns:a14="http://schemas.microsoft.com/office/drawing/2010/main" xmlns:m="http://schemas.openxmlformats.org/officeDocument/2006/math" xmlns="" val="1"/>
             </a:ext>
           </a:extLst>
         </p:spPr>
@@ -6855,7 +7121,7 @@
           </a:ln>
           <a:extLst>
             <a:ext uri="{C572A759-6A51-4108-AA02-DFA0A04FC94B}">
-              <ma14:wrappingTextBoxFlag xmlns="" xmlns:m="http://schemas.openxmlformats.org/officeDocument/2006/math" xmlns:a14="http://schemas.microsoft.com/office/drawing/2010/main" xmlns:ma14="http://schemas.microsoft.com/office/mac/drawingml/2011/main" val="1"/>
+              <ma14:wrappingTextBoxFlag xmlns:ma14="http://schemas.microsoft.com/office/mac/drawingml/2011/main" xmlns:a14="http://schemas.microsoft.com/office/drawing/2010/main" xmlns:m="http://schemas.openxmlformats.org/officeDocument/2006/math" xmlns="" val="1"/>
             </a:ext>
           </a:extLst>
         </p:spPr>
@@ -7134,7 +7400,7 @@
           </a:ln>
           <a:extLst>
             <a:ext uri="{C572A759-6A51-4108-AA02-DFA0A04FC94B}">
-              <ma14:wrappingTextBoxFlag xmlns="" xmlns:m="http://schemas.openxmlformats.org/officeDocument/2006/math" xmlns:a14="http://schemas.microsoft.com/office/drawing/2010/main" xmlns:ma14="http://schemas.microsoft.com/office/mac/drawingml/2011/main" val="1"/>
+              <ma14:wrappingTextBoxFlag xmlns:ma14="http://schemas.microsoft.com/office/mac/drawingml/2011/main" xmlns:a14="http://schemas.microsoft.com/office/drawing/2010/main" xmlns:m="http://schemas.openxmlformats.org/officeDocument/2006/math" xmlns="" val="1"/>
             </a:ext>
           </a:extLst>
         </p:spPr>
@@ -7629,7 +7895,7 @@
           </a:ln>
           <a:extLst>
             <a:ext uri="{C572A759-6A51-4108-AA02-DFA0A04FC94B}">
-              <ma14:wrappingTextBoxFlag xmlns="" xmlns:m="http://schemas.openxmlformats.org/officeDocument/2006/math" xmlns:a14="http://schemas.microsoft.com/office/drawing/2010/main" xmlns:ma14="http://schemas.microsoft.com/office/mac/drawingml/2011/main" val="1"/>
+              <ma14:wrappingTextBoxFlag xmlns:ma14="http://schemas.microsoft.com/office/mac/drawingml/2011/main" xmlns:a14="http://schemas.microsoft.com/office/drawing/2010/main" xmlns:m="http://schemas.openxmlformats.org/officeDocument/2006/math" xmlns="" val="1"/>
             </a:ext>
           </a:extLst>
         </p:spPr>
@@ -8146,7 +8412,7 @@
           </a:ln>
           <a:extLst>
             <a:ext uri="{C572A759-6A51-4108-AA02-DFA0A04FC94B}">
-              <ma14:wrappingTextBoxFlag xmlns="" xmlns:m="http://schemas.openxmlformats.org/officeDocument/2006/math" xmlns:a14="http://schemas.microsoft.com/office/drawing/2010/main" xmlns:ma14="http://schemas.microsoft.com/office/mac/drawingml/2011/main" val="1"/>
+              <ma14:wrappingTextBoxFlag xmlns:ma14="http://schemas.microsoft.com/office/mac/drawingml/2011/main" xmlns:a14="http://schemas.microsoft.com/office/drawing/2010/main" xmlns:m="http://schemas.openxmlformats.org/officeDocument/2006/math" xmlns="" val="1"/>
             </a:ext>
           </a:extLst>
         </p:spPr>
@@ -8236,7 +8502,7 @@
           </a:ln>
           <a:extLst>
             <a:ext uri="{C572A759-6A51-4108-AA02-DFA0A04FC94B}">
-              <ma14:wrappingTextBoxFlag xmlns="" xmlns:m="http://schemas.openxmlformats.org/officeDocument/2006/math" xmlns:a14="http://schemas.microsoft.com/office/drawing/2010/main" xmlns:ma14="http://schemas.microsoft.com/office/mac/drawingml/2011/main" val="1"/>
+              <ma14:wrappingTextBoxFlag xmlns:ma14="http://schemas.microsoft.com/office/mac/drawingml/2011/main" xmlns:a14="http://schemas.microsoft.com/office/drawing/2010/main" xmlns:m="http://schemas.openxmlformats.org/officeDocument/2006/math" xmlns="" val="1"/>
             </a:ext>
           </a:extLst>
         </p:spPr>
@@ -8279,7 +8545,7 @@
           </a:effectLst>
           <a:extLst>
             <a:ext uri="{C572A759-6A51-4108-AA02-DFA0A04FC94B}">
-              <ma14:wrappingTextBoxFlag xmlns="" xmlns:m="http://schemas.openxmlformats.org/officeDocument/2006/math" xmlns:a14="http://schemas.microsoft.com/office/drawing/2010/main" xmlns:ma14="http://schemas.microsoft.com/office/mac/drawingml/2011/main" val="1"/>
+              <ma14:wrappingTextBoxFlag xmlns:ma14="http://schemas.microsoft.com/office/mac/drawingml/2011/main" xmlns:a14="http://schemas.microsoft.com/office/drawing/2010/main" xmlns:m="http://schemas.openxmlformats.org/officeDocument/2006/math" xmlns="" val="1"/>
             </a:ext>
           </a:extLst>
         </p:spPr>
@@ -8364,7 +8630,7 @@
           </a:ln>
           <a:extLst>
             <a:ext uri="{C572A759-6A51-4108-AA02-DFA0A04FC94B}">
-              <ma14:wrappingTextBoxFlag xmlns="" xmlns:m="http://schemas.openxmlformats.org/officeDocument/2006/math" xmlns:a14="http://schemas.microsoft.com/office/drawing/2010/main" xmlns:ma14="http://schemas.microsoft.com/office/mac/drawingml/2011/main" val="1"/>
+              <ma14:wrappingTextBoxFlag xmlns:ma14="http://schemas.microsoft.com/office/mac/drawingml/2011/main" xmlns:a14="http://schemas.microsoft.com/office/drawing/2010/main" xmlns:m="http://schemas.openxmlformats.org/officeDocument/2006/math" xmlns="" val="1"/>
             </a:ext>
           </a:extLst>
         </p:spPr>
@@ -8407,7 +8673,7 @@
           </a:effectLst>
           <a:extLst>
             <a:ext uri="{C572A759-6A51-4108-AA02-DFA0A04FC94B}">
-              <ma14:wrappingTextBoxFlag xmlns="" xmlns:m="http://schemas.openxmlformats.org/officeDocument/2006/math" xmlns:a14="http://schemas.microsoft.com/office/drawing/2010/main" xmlns:ma14="http://schemas.microsoft.com/office/mac/drawingml/2011/main" val="1"/>
+              <ma14:wrappingTextBoxFlag xmlns:ma14="http://schemas.microsoft.com/office/mac/drawingml/2011/main" xmlns:a14="http://schemas.microsoft.com/office/drawing/2010/main" xmlns:m="http://schemas.openxmlformats.org/officeDocument/2006/math" xmlns="" val="1"/>
             </a:ext>
           </a:extLst>
         </p:spPr>
@@ -8501,7 +8767,7 @@
           </a:ln>
           <a:extLst>
             <a:ext uri="{C572A759-6A51-4108-AA02-DFA0A04FC94B}">
-              <ma14:wrappingTextBoxFlag xmlns="" xmlns:m="http://schemas.openxmlformats.org/officeDocument/2006/math" xmlns:a14="http://schemas.microsoft.com/office/drawing/2010/main" xmlns:ma14="http://schemas.microsoft.com/office/mac/drawingml/2011/main" val="1"/>
+              <ma14:wrappingTextBoxFlag xmlns:ma14="http://schemas.microsoft.com/office/mac/drawingml/2011/main" xmlns:a14="http://schemas.microsoft.com/office/drawing/2010/main" xmlns:m="http://schemas.openxmlformats.org/officeDocument/2006/math" xmlns="" val="1"/>
             </a:ext>
           </a:extLst>
         </p:spPr>
@@ -8544,7 +8810,7 @@
           </a:effectLst>
           <a:extLst>
             <a:ext uri="{C572A759-6A51-4108-AA02-DFA0A04FC94B}">
-              <ma14:wrappingTextBoxFlag xmlns="" xmlns:m="http://schemas.openxmlformats.org/officeDocument/2006/math" xmlns:a14="http://schemas.microsoft.com/office/drawing/2010/main" xmlns:ma14="http://schemas.microsoft.com/office/mac/drawingml/2011/main" val="1"/>
+              <ma14:wrappingTextBoxFlag xmlns:ma14="http://schemas.microsoft.com/office/mac/drawingml/2011/main" xmlns:a14="http://schemas.microsoft.com/office/drawing/2010/main" xmlns:m="http://schemas.openxmlformats.org/officeDocument/2006/math" xmlns="" val="1"/>
             </a:ext>
           </a:extLst>
         </p:spPr>
@@ -8634,7 +8900,7 @@
           </a:ln>
           <a:extLst>
             <a:ext uri="{C572A759-6A51-4108-AA02-DFA0A04FC94B}">
-              <ma14:wrappingTextBoxFlag xmlns="" xmlns:m="http://schemas.openxmlformats.org/officeDocument/2006/math" xmlns:a14="http://schemas.microsoft.com/office/drawing/2010/main" xmlns:ma14="http://schemas.microsoft.com/office/mac/drawingml/2011/main" val="1"/>
+              <ma14:wrappingTextBoxFlag xmlns:ma14="http://schemas.microsoft.com/office/mac/drawingml/2011/main" xmlns:a14="http://schemas.microsoft.com/office/drawing/2010/main" xmlns:m="http://schemas.openxmlformats.org/officeDocument/2006/math" xmlns="" val="1"/>
             </a:ext>
           </a:extLst>
         </p:spPr>
@@ -8677,7 +8943,7 @@
           </a:effectLst>
           <a:extLst>
             <a:ext uri="{C572A759-6A51-4108-AA02-DFA0A04FC94B}">
-              <ma14:wrappingTextBoxFlag xmlns="" xmlns:m="http://schemas.openxmlformats.org/officeDocument/2006/math" xmlns:a14="http://schemas.microsoft.com/office/drawing/2010/main" xmlns:ma14="http://schemas.microsoft.com/office/mac/drawingml/2011/main" val="1"/>
+              <ma14:wrappingTextBoxFlag xmlns:ma14="http://schemas.microsoft.com/office/mac/drawingml/2011/main" xmlns:a14="http://schemas.microsoft.com/office/drawing/2010/main" xmlns:m="http://schemas.openxmlformats.org/officeDocument/2006/math" xmlns="" val="1"/>
             </a:ext>
           </a:extLst>
         </p:spPr>
@@ -8799,7 +9065,7 @@
           </a:effectLst>
           <a:extLst>
             <a:ext uri="{C572A759-6A51-4108-AA02-DFA0A04FC94B}">
-              <ma14:wrappingTextBoxFlag xmlns="" xmlns:m="http://schemas.openxmlformats.org/officeDocument/2006/math" xmlns:a14="http://schemas.microsoft.com/office/drawing/2010/main" xmlns:ma14="http://schemas.microsoft.com/office/mac/drawingml/2011/main" val="1"/>
+              <ma14:wrappingTextBoxFlag xmlns:ma14="http://schemas.microsoft.com/office/mac/drawingml/2011/main" xmlns:a14="http://schemas.microsoft.com/office/drawing/2010/main" xmlns:m="http://schemas.openxmlformats.org/officeDocument/2006/math" xmlns="" val="1"/>
             </a:ext>
           </a:extLst>
         </p:spPr>
@@ -10169,7 +10435,7 @@
           </a:ln>
           <a:extLst>
             <a:ext uri="{C572A759-6A51-4108-AA02-DFA0A04FC94B}">
-              <ma14:wrappingTextBoxFlag xmlns="" xmlns:m="http://schemas.openxmlformats.org/officeDocument/2006/math" xmlns:a14="http://schemas.microsoft.com/office/drawing/2010/main" xmlns:ma14="http://schemas.microsoft.com/office/mac/drawingml/2011/main" val="1"/>
+              <ma14:wrappingTextBoxFlag xmlns:ma14="http://schemas.microsoft.com/office/mac/drawingml/2011/main" xmlns:a14="http://schemas.microsoft.com/office/drawing/2010/main" xmlns:m="http://schemas.openxmlformats.org/officeDocument/2006/math" xmlns="" val="1"/>
             </a:ext>
           </a:extLst>
         </p:spPr>
@@ -10212,7 +10478,7 @@
           </a:effectLst>
           <a:extLst>
             <a:ext uri="{C572A759-6A51-4108-AA02-DFA0A04FC94B}">
-              <ma14:wrappingTextBoxFlag xmlns="" xmlns:m="http://schemas.openxmlformats.org/officeDocument/2006/math" xmlns:a14="http://schemas.microsoft.com/office/drawing/2010/main" xmlns:ma14="http://schemas.microsoft.com/office/mac/drawingml/2011/main" val="1"/>
+              <ma14:wrappingTextBoxFlag xmlns:ma14="http://schemas.microsoft.com/office/mac/drawingml/2011/main" xmlns:a14="http://schemas.microsoft.com/office/drawing/2010/main" xmlns:m="http://schemas.openxmlformats.org/officeDocument/2006/math" xmlns="" val="1"/>
             </a:ext>
           </a:extLst>
         </p:spPr>
@@ -10526,7 +10792,7 @@
           </a:ln>
           <a:extLst>
             <a:ext uri="{C572A759-6A51-4108-AA02-DFA0A04FC94B}">
-              <ma14:wrappingTextBoxFlag xmlns="" xmlns:m="http://schemas.openxmlformats.org/officeDocument/2006/math" xmlns:a14="http://schemas.microsoft.com/office/drawing/2010/main" xmlns:ma14="http://schemas.microsoft.com/office/mac/drawingml/2011/main" val="1"/>
+              <ma14:wrappingTextBoxFlag xmlns:ma14="http://schemas.microsoft.com/office/mac/drawingml/2011/main" xmlns:a14="http://schemas.microsoft.com/office/drawing/2010/main" xmlns:m="http://schemas.openxmlformats.org/officeDocument/2006/math" xmlns="" val="1"/>
             </a:ext>
           </a:extLst>
         </p:spPr>
@@ -10574,7 +10840,7 @@
           </a:effectLst>
           <a:extLst>
             <a:ext uri="{C572A759-6A51-4108-AA02-DFA0A04FC94B}">
-              <ma14:wrappingTextBoxFlag xmlns="" xmlns:m="http://schemas.openxmlformats.org/officeDocument/2006/math" xmlns:a14="http://schemas.microsoft.com/office/drawing/2010/main" xmlns:ma14="http://schemas.microsoft.com/office/mac/drawingml/2011/main" val="1"/>
+              <ma14:wrappingTextBoxFlag xmlns:ma14="http://schemas.microsoft.com/office/mac/drawingml/2011/main" xmlns:a14="http://schemas.microsoft.com/office/drawing/2010/main" xmlns:m="http://schemas.openxmlformats.org/officeDocument/2006/math" xmlns="" val="1"/>
             </a:ext>
           </a:extLst>
         </p:spPr>
@@ -10898,7 +11164,7 @@
           </a:ln>
           <a:extLst>
             <a:ext uri="{C572A759-6A51-4108-AA02-DFA0A04FC94B}">
-              <ma14:wrappingTextBoxFlag xmlns="" xmlns:m="http://schemas.openxmlformats.org/officeDocument/2006/math" xmlns:a14="http://schemas.microsoft.com/office/drawing/2010/main" xmlns:ma14="http://schemas.microsoft.com/office/mac/drawingml/2011/main" val="1"/>
+              <ma14:wrappingTextBoxFlag xmlns:ma14="http://schemas.microsoft.com/office/mac/drawingml/2011/main" xmlns:a14="http://schemas.microsoft.com/office/drawing/2010/main" xmlns:m="http://schemas.openxmlformats.org/officeDocument/2006/math" xmlns="" val="1"/>
             </a:ext>
           </a:extLst>
         </p:spPr>
@@ -10946,7 +11212,7 @@
           </a:effectLst>
           <a:extLst>
             <a:ext uri="{C572A759-6A51-4108-AA02-DFA0A04FC94B}">
-              <ma14:wrappingTextBoxFlag xmlns="" xmlns:m="http://schemas.openxmlformats.org/officeDocument/2006/math" xmlns:a14="http://schemas.microsoft.com/office/drawing/2010/main" xmlns:ma14="http://schemas.microsoft.com/office/mac/drawingml/2011/main" val="1"/>
+              <ma14:wrappingTextBoxFlag xmlns:ma14="http://schemas.microsoft.com/office/mac/drawingml/2011/main" xmlns:a14="http://schemas.microsoft.com/office/drawing/2010/main" xmlns:m="http://schemas.openxmlformats.org/officeDocument/2006/math" xmlns="" val="1"/>
             </a:ext>
           </a:extLst>
         </p:spPr>
@@ -11207,7 +11473,7 @@
           </a:ln>
           <a:extLst>
             <a:ext uri="{C572A759-6A51-4108-AA02-DFA0A04FC94B}">
-              <ma14:wrappingTextBoxFlag xmlns="" xmlns:m="http://schemas.openxmlformats.org/officeDocument/2006/math" xmlns:a14="http://schemas.microsoft.com/office/drawing/2010/main" xmlns:ma14="http://schemas.microsoft.com/office/mac/drawingml/2011/main" val="1"/>
+              <ma14:wrappingTextBoxFlag xmlns:ma14="http://schemas.microsoft.com/office/mac/drawingml/2011/main" xmlns:a14="http://schemas.microsoft.com/office/drawing/2010/main" xmlns:m="http://schemas.openxmlformats.org/officeDocument/2006/math" xmlns="" val="1"/>
             </a:ext>
           </a:extLst>
         </p:spPr>
@@ -11255,7 +11521,7 @@
           </a:effectLst>
           <a:extLst>
             <a:ext uri="{C572A759-6A51-4108-AA02-DFA0A04FC94B}">
-              <ma14:wrappingTextBoxFlag xmlns="" xmlns:m="http://schemas.openxmlformats.org/officeDocument/2006/math" xmlns:a14="http://schemas.microsoft.com/office/drawing/2010/main" xmlns:ma14="http://schemas.microsoft.com/office/mac/drawingml/2011/main" val="1"/>
+              <ma14:wrappingTextBoxFlag xmlns:ma14="http://schemas.microsoft.com/office/mac/drawingml/2011/main" xmlns:a14="http://schemas.microsoft.com/office/drawing/2010/main" xmlns:m="http://schemas.openxmlformats.org/officeDocument/2006/math" xmlns="" val="1"/>
             </a:ext>
           </a:extLst>
         </p:spPr>
@@ -11437,11 +11703,11 @@
             </a:pPr>
             <a:r>
               <a:rPr lang="zh-CN" altLang="en-US" b="0" dirty="0"/>
-              <a:t>接口表示函数返回</a:t>
+              <a:t>接口表示</a:t>
             </a:r>
             <a:r>
               <a:rPr lang="zh-CN" altLang="en-US" b="0" dirty="0" smtClean="0"/>
-              <a:t>对象</a:t>
+              <a:t>函数</a:t>
             </a:r>
             <a:endParaRPr lang="zh-CN" altLang="en-US" b="0" dirty="0"/>
           </a:p>
